--- a/GAN Talk/GANs.pptx
+++ b/GAN Talk/GANs.pptx
@@ -15,6 +15,7 @@
     <p:sldId id="260" r:id="rId10"/>
     <p:sldId id="261" r:id="rId11"/>
     <p:sldId id="262" r:id="rId12"/>
+    <p:sldId id="263" r:id="rId13"/>
   </p:sldIdLst>
   <p:sldSz cy="5143500" cx="9144000"/>
   <p:notesSz cx="6858000" cy="9144000"/>
@@ -909,7 +910,7 @@
       </p:grpSpPr>
       <p:sp>
         <p:nvSpPr>
-          <p:cNvPr id="64" name="Google Shape;64;g73f69b1589_0_96:notes"/>
+          <p:cNvPr id="64" name="Google Shape;64;g78d62ce179_0_0:notes"/>
           <p:cNvSpPr/>
           <p:nvPr>
             <p:ph idx="2" type="sldImg"/>
@@ -944,7 +945,7 @@
       </p:sp>
       <p:sp>
         <p:nvSpPr>
-          <p:cNvPr id="65" name="Google Shape;65;g73f69b1589_0_96:notes"/>
+          <p:cNvPr id="65" name="Google Shape;65;g78d62ce179_0_0:notes"/>
           <p:cNvSpPr txBox="1"/>
           <p:nvPr>
             <p:ph idx="1" type="body"/>
@@ -994,7 +995,7 @@
   <p:cSld>
     <p:spTree>
       <p:nvGrpSpPr>
-        <p:cNvPr id="71" name="Shape 71"/>
+        <p:cNvPr id="70" name="Shape 70"/>
         <p:cNvGrpSpPr/>
         <p:nvPr/>
       </p:nvGrpSpPr>
@@ -1008,7 +1009,7 @@
       </p:grpSpPr>
       <p:sp>
         <p:nvSpPr>
-          <p:cNvPr id="72" name="Google Shape;72;g73f69b1589_0_101:notes"/>
+          <p:cNvPr id="71" name="Google Shape;71;g73f69b1589_0_96:notes"/>
           <p:cNvSpPr/>
           <p:nvPr>
             <p:ph idx="2" type="sldImg"/>
@@ -1043,7 +1044,7 @@
       </p:sp>
       <p:sp>
         <p:nvSpPr>
-          <p:cNvPr id="73" name="Google Shape;73;g73f69b1589_0_101:notes"/>
+          <p:cNvPr id="72" name="Google Shape;72;g73f69b1589_0_96:notes"/>
           <p:cNvSpPr txBox="1"/>
           <p:nvPr>
             <p:ph idx="1" type="body"/>
@@ -1107,7 +1108,7 @@
       </p:grpSpPr>
       <p:sp>
         <p:nvSpPr>
-          <p:cNvPr id="79" name="Google Shape;79;g73f69b1589_1_4:notes"/>
+          <p:cNvPr id="79" name="Google Shape;79;g73f69b1589_0_101:notes"/>
           <p:cNvSpPr/>
           <p:nvPr>
             <p:ph idx="2" type="sldImg"/>
@@ -1142,7 +1143,7 @@
       </p:sp>
       <p:sp>
         <p:nvSpPr>
-          <p:cNvPr id="80" name="Google Shape;80;g73f69b1589_1_4:notes"/>
+          <p:cNvPr id="80" name="Google Shape;80;g73f69b1589_0_101:notes"/>
           <p:cNvSpPr txBox="1"/>
           <p:nvPr>
             <p:ph idx="1" type="body"/>
@@ -1206,7 +1207,7 @@
       </p:grpSpPr>
       <p:sp>
         <p:nvSpPr>
-          <p:cNvPr id="86" name="Google Shape;86;g73f69b1589_0_106:notes"/>
+          <p:cNvPr id="86" name="Google Shape;86;g73f69b1589_1_4:notes"/>
           <p:cNvSpPr/>
           <p:nvPr>
             <p:ph idx="2" type="sldImg"/>
@@ -1241,7 +1242,7 @@
       </p:sp>
       <p:sp>
         <p:nvSpPr>
-          <p:cNvPr id="87" name="Google Shape;87;g73f69b1589_0_106:notes"/>
+          <p:cNvPr id="87" name="Google Shape;87;g73f69b1589_1_4:notes"/>
           <p:cNvSpPr txBox="1"/>
           <p:nvPr>
             <p:ph idx="1" type="body"/>
@@ -1291,7 +1292,7 @@
   <p:cSld>
     <p:spTree>
       <p:nvGrpSpPr>
-        <p:cNvPr id="91" name="Shape 91"/>
+        <p:cNvPr id="92" name="Shape 92"/>
         <p:cNvGrpSpPr/>
         <p:nvPr/>
       </p:nvGrpSpPr>
@@ -1305,7 +1306,7 @@
       </p:grpSpPr>
       <p:sp>
         <p:nvSpPr>
-          <p:cNvPr id="92" name="Google Shape;92;g73f69b1589_0_111:notes"/>
+          <p:cNvPr id="93" name="Google Shape;93;g73f69b1589_0_106:notes"/>
           <p:cNvSpPr/>
           <p:nvPr>
             <p:ph idx="2" type="sldImg"/>
@@ -1340,7 +1341,106 @@
       </p:sp>
       <p:sp>
         <p:nvSpPr>
-          <p:cNvPr id="93" name="Google Shape;93;g73f69b1589_0_111:notes"/>
+          <p:cNvPr id="94" name="Google Shape;94;g73f69b1589_0_106:notes"/>
+          <p:cNvSpPr txBox="1"/>
+          <p:nvPr>
+            <p:ph idx="1" type="body"/>
+          </p:nvPr>
+        </p:nvSpPr>
+        <p:spPr>
+          <a:xfrm>
+            <a:off x="685800" y="4343400"/>
+            <a:ext cx="5486400" cy="4114800"/>
+          </a:xfrm>
+          <a:prstGeom prst="rect">
+            <a:avLst/>
+          </a:prstGeom>
+        </p:spPr>
+        <p:txBody>
+          <a:bodyPr anchorCtr="0" anchor="t" bIns="91425" lIns="91425" spcFirstLastPara="1" rIns="91425" wrap="square" tIns="91425">
+            <a:noAutofit/>
+          </a:bodyPr>
+          <a:lstStyle/>
+          <a:p>
+            <a:pPr indent="0" lvl="0" marL="0" rtl="0" algn="l">
+              <a:spcBef>
+                <a:spcPts val="0"/>
+              </a:spcBef>
+              <a:spcAft>
+                <a:spcPts val="0"/>
+              </a:spcAft>
+              <a:buNone/>
+            </a:pPr>
+            <a:r>
+              <a:t/>
+            </a:r>
+            <a:endParaRPr/>
+          </a:p>
+        </p:txBody>
+      </p:sp>
+    </p:spTree>
+  </p:cSld>
+  <p:clrMapOvr>
+    <a:masterClrMapping/>
+  </p:clrMapOvr>
+</p:notes>
+</file>
+
+<file path=ppt/notesSlides/notesSlide8.xml><?xml version="1.0" encoding="utf-8"?>
+<p:notes xmlns:a="http://schemas.openxmlformats.org/drawingml/2006/main" xmlns:r="http://schemas.openxmlformats.org/officeDocument/2006/relationships" xmlns:mc="http://schemas.openxmlformats.org/markup-compatibility/2006" xmlns:mv="urn:schemas-microsoft-com:mac:vml" xmlns:p="http://schemas.openxmlformats.org/presentationml/2006/main" xmlns:c="http://schemas.openxmlformats.org/drawingml/2006/chart" xmlns:dgm="http://schemas.openxmlformats.org/drawingml/2006/diagram" xmlns:o="urn:schemas-microsoft-com:office:office" xmlns:v="urn:schemas-microsoft-com:vml" xmlns:pvml="urn:schemas-microsoft-com:office:powerpoint" xmlns:com="http://schemas.openxmlformats.org/drawingml/2006/compatibility" xmlns:p14="http://schemas.microsoft.com/office/powerpoint/2010/main" xmlns:p15="http://schemas.microsoft.com/office/powerpoint/2012/main" showMasterPhAnim="0" showMasterSp="0">
+  <p:cSld>
+    <p:spTree>
+      <p:nvGrpSpPr>
+        <p:cNvPr id="98" name="Shape 98"/>
+        <p:cNvGrpSpPr/>
+        <p:nvPr/>
+      </p:nvGrpSpPr>
+      <p:grpSpPr>
+        <a:xfrm>
+          <a:off x="0" y="0"/>
+          <a:ext cx="0" cy="0"/>
+          <a:chOff x="0" y="0"/>
+          <a:chExt cx="0" cy="0"/>
+        </a:xfrm>
+      </p:grpSpPr>
+      <p:sp>
+        <p:nvSpPr>
+          <p:cNvPr id="99" name="Google Shape;99;g73f69b1589_0_111:notes"/>
+          <p:cNvSpPr/>
+          <p:nvPr>
+            <p:ph idx="2" type="sldImg"/>
+          </p:nvPr>
+        </p:nvSpPr>
+        <p:spPr>
+          <a:xfrm>
+            <a:off x="381300" y="685800"/>
+            <a:ext cx="6096000" cy="3429000"/>
+          </a:xfrm>
+          <a:custGeom>
+            <a:rect b="b" l="l" r="r" t="t"/>
+            <a:pathLst>
+              <a:path extrusionOk="0" h="120000" w="120000">
+                <a:moveTo>
+                  <a:pt x="0" y="0"/>
+                </a:moveTo>
+                <a:lnTo>
+                  <a:pt x="120000" y="0"/>
+                </a:lnTo>
+                <a:lnTo>
+                  <a:pt x="120000" y="120000"/>
+                </a:lnTo>
+                <a:lnTo>
+                  <a:pt x="0" y="120000"/>
+                </a:lnTo>
+                <a:close/>
+              </a:path>
+            </a:pathLst>
+          </a:custGeom>
+        </p:spPr>
+      </p:sp>
+      <p:sp>
+        <p:nvSpPr>
+          <p:cNvPr id="100" name="Google Shape;100;g73f69b1589_0_111:notes"/>
           <p:cNvSpPr txBox="1"/>
           <p:nvPr>
             <p:ph idx="1" type="body"/>
@@ -6258,19 +6358,17 @@
             <a:endParaRPr/>
           </a:p>
           <a:p>
-            <a:pPr indent="-342900" lvl="0" marL="457200" rtl="0" algn="l">
-              <a:spcBef>
-                <a:spcPts val="0"/>
-              </a:spcBef>
-              <a:spcAft>
-                <a:spcPts val="0"/>
-              </a:spcAft>
-              <a:buSzPts val="1800"/>
-              <a:buChar char="-"/>
+            <a:pPr indent="0" lvl="0" marL="457200" rtl="0" algn="l">
+              <a:spcBef>
+                <a:spcPts val="1600"/>
+              </a:spcBef>
+              <a:spcAft>
+                <a:spcPts val="1600"/>
+              </a:spcAft>
+              <a:buNone/>
             </a:pPr>
             <a:r>
-              <a:rPr lang="en"/>
-              <a:t>Not continuous </a:t>
+              <a:t/>
             </a:r>
             <a:endParaRPr/>
           </a:p>
@@ -6363,7 +6461,7 @@
             </a:pPr>
             <a:r>
               <a:rPr lang="en"/>
-              <a:t>Variational Auto Encoders</a:t>
+              <a:t>Latent Space, Z space</a:t>
             </a:r>
             <a:endParaRPr/>
           </a:p>
@@ -6392,6 +6490,202 @@
           </a:bodyPr>
           <a:lstStyle/>
           <a:p>
+            <a:pPr indent="0" lvl="0" marL="0" rtl="0" algn="l">
+              <a:spcBef>
+                <a:spcPts val="0"/>
+              </a:spcBef>
+              <a:spcAft>
+                <a:spcPts val="0"/>
+              </a:spcAft>
+              <a:buNone/>
+            </a:pPr>
+            <a:r>
+              <a:rPr lang="en"/>
+              <a:t>Not continuous </a:t>
+            </a:r>
+            <a:endParaRPr/>
+          </a:p>
+          <a:p>
+            <a:pPr indent="0" lvl="0" marL="0" rtl="0" algn="l">
+              <a:spcBef>
+                <a:spcPts val="1600"/>
+              </a:spcBef>
+              <a:spcAft>
+                <a:spcPts val="0"/>
+              </a:spcAft>
+              <a:buNone/>
+            </a:pPr>
+            <a:r>
+              <a:t/>
+            </a:r>
+            <a:endParaRPr/>
+          </a:p>
+          <a:p>
+            <a:pPr indent="0" lvl="0" marL="0" rtl="0" algn="l">
+              <a:spcBef>
+                <a:spcPts val="1600"/>
+              </a:spcBef>
+              <a:spcAft>
+                <a:spcPts val="0"/>
+              </a:spcAft>
+              <a:buNone/>
+            </a:pPr>
+            <a:r>
+              <a:rPr lang="en"/>
+              <a:t>Can be mapped onto data but </a:t>
+            </a:r>
+            <a:endParaRPr/>
+          </a:p>
+          <a:p>
+            <a:pPr indent="0" lvl="0" marL="0" rtl="0" algn="l">
+              <a:spcBef>
+                <a:spcPts val="1600"/>
+              </a:spcBef>
+              <a:spcAft>
+                <a:spcPts val="0"/>
+              </a:spcAft>
+              <a:buNone/>
+            </a:pPr>
+            <a:r>
+              <a:rPr lang="en"/>
+              <a:t>poorly grouped, can't create similar</a:t>
+            </a:r>
+            <a:endParaRPr/>
+          </a:p>
+          <a:p>
+            <a:pPr indent="0" lvl="0" marL="0" rtl="0" algn="l">
+              <a:spcBef>
+                <a:spcPts val="1600"/>
+              </a:spcBef>
+              <a:spcAft>
+                <a:spcPts val="1600"/>
+              </a:spcAft>
+              <a:buNone/>
+            </a:pPr>
+            <a:r>
+              <a:rPr lang="en"/>
+              <a:t>data</a:t>
+            </a:r>
+            <a:endParaRPr/>
+          </a:p>
+        </p:txBody>
+      </p:sp>
+      <p:pic>
+        <p:nvPicPr>
+          <p:cNvPr id="69" name="Google Shape;69;p15"/>
+          <p:cNvPicPr preferRelativeResize="0"/>
+          <p:nvPr/>
+        </p:nvPicPr>
+        <p:blipFill>
+          <a:blip r:embed="rId3">
+            <a:alphaModFix/>
+          </a:blip>
+          <a:stretch>
+            <a:fillRect/>
+          </a:stretch>
+        </p:blipFill>
+        <p:spPr>
+          <a:xfrm>
+            <a:off x="4027144" y="1684200"/>
+            <a:ext cx="3606376" cy="2706900"/>
+          </a:xfrm>
+          <a:prstGeom prst="rect">
+            <a:avLst/>
+          </a:prstGeom>
+          <a:noFill/>
+          <a:ln>
+            <a:noFill/>
+          </a:ln>
+        </p:spPr>
+      </p:pic>
+    </p:spTree>
+  </p:cSld>
+  <p:clrMapOvr>
+    <a:masterClrMapping/>
+  </p:clrMapOvr>
+</p:sld>
+</file>
+
+<file path=ppt/slides/slide4.xml><?xml version="1.0" encoding="utf-8"?>
+<p:sld xmlns:a="http://schemas.openxmlformats.org/drawingml/2006/main" xmlns:r="http://schemas.openxmlformats.org/officeDocument/2006/relationships" xmlns:mc="http://schemas.openxmlformats.org/markup-compatibility/2006" xmlns:mv="urn:schemas-microsoft-com:mac:vml" xmlns:p="http://schemas.openxmlformats.org/presentationml/2006/main" xmlns:c="http://schemas.openxmlformats.org/drawingml/2006/chart" xmlns:dgm="http://schemas.openxmlformats.org/drawingml/2006/diagram" xmlns:o="urn:schemas-microsoft-com:office:office" xmlns:v="urn:schemas-microsoft-com:vml" xmlns:pvml="urn:schemas-microsoft-com:office:powerpoint" xmlns:com="http://schemas.openxmlformats.org/drawingml/2006/compatibility" xmlns:p14="http://schemas.microsoft.com/office/powerpoint/2010/main" xmlns:p15="http://schemas.microsoft.com/office/powerpoint/2012/main">
+  <p:cSld>
+    <p:spTree>
+      <p:nvGrpSpPr>
+        <p:cNvPr id="73" name="Shape 73"/>
+        <p:cNvGrpSpPr/>
+        <p:nvPr/>
+      </p:nvGrpSpPr>
+      <p:grpSpPr>
+        <a:xfrm>
+          <a:off x="0" y="0"/>
+          <a:ext cx="0" cy="0"/>
+          <a:chOff x="0" y="0"/>
+          <a:chExt cx="0" cy="0"/>
+        </a:xfrm>
+      </p:grpSpPr>
+      <p:sp>
+        <p:nvSpPr>
+          <p:cNvPr id="74" name="Google Shape;74;p16"/>
+          <p:cNvSpPr txBox="1"/>
+          <p:nvPr>
+            <p:ph type="title"/>
+          </p:nvPr>
+        </p:nvSpPr>
+        <p:spPr>
+          <a:xfrm>
+            <a:off x="311700" y="445025"/>
+            <a:ext cx="8520600" cy="572700"/>
+          </a:xfrm>
+          <a:prstGeom prst="rect">
+            <a:avLst/>
+          </a:prstGeom>
+        </p:spPr>
+        <p:txBody>
+          <a:bodyPr anchorCtr="0" anchor="t" bIns="91425" lIns="91425" spcFirstLastPara="1" rIns="91425" wrap="square" tIns="91425">
+            <a:noAutofit/>
+          </a:bodyPr>
+          <a:lstStyle/>
+          <a:p>
+            <a:pPr indent="0" lvl="0" marL="0" rtl="0" algn="l">
+              <a:spcBef>
+                <a:spcPts val="0"/>
+              </a:spcBef>
+              <a:spcAft>
+                <a:spcPts val="0"/>
+              </a:spcAft>
+              <a:buNone/>
+            </a:pPr>
+            <a:r>
+              <a:rPr lang="en"/>
+              <a:t>Variational Auto Encoders</a:t>
+            </a:r>
+            <a:endParaRPr/>
+          </a:p>
+        </p:txBody>
+      </p:sp>
+      <p:sp>
+        <p:nvSpPr>
+          <p:cNvPr id="75" name="Google Shape;75;p16"/>
+          <p:cNvSpPr txBox="1"/>
+          <p:nvPr>
+            <p:ph idx="1" type="body"/>
+          </p:nvPr>
+        </p:nvSpPr>
+        <p:spPr>
+          <a:xfrm>
+            <a:off x="311700" y="1152475"/>
+            <a:ext cx="8520600" cy="3416400"/>
+          </a:xfrm>
+          <a:prstGeom prst="rect">
+            <a:avLst/>
+          </a:prstGeom>
+        </p:spPr>
+        <p:txBody>
+          <a:bodyPr anchorCtr="0" anchor="t" bIns="91425" lIns="91425" spcFirstLastPara="1" rIns="91425" wrap="square" tIns="91425">
+            <a:noAutofit/>
+          </a:bodyPr>
+          <a:lstStyle/>
+          <a:p>
             <a:pPr indent="-342900" lvl="0" marL="457200" rtl="0" algn="l">
               <a:spcBef>
                 <a:spcPts val="0"/>
@@ -6438,7 +6732,24 @@
             </a:pPr>
             <a:r>
               <a:rPr lang="en"/>
-              <a:t>No obvious way to measure error</a:t>
+              <a:t>Similar data grouped together</a:t>
+            </a:r>
+            <a:endParaRPr/>
+          </a:p>
+          <a:p>
+            <a:pPr indent="-342900" lvl="0" marL="457200" rtl="0" algn="l">
+              <a:spcBef>
+                <a:spcPts val="0"/>
+              </a:spcBef>
+              <a:spcAft>
+                <a:spcPts val="0"/>
+              </a:spcAft>
+              <a:buSzPts val="1800"/>
+              <a:buChar char="-"/>
+            </a:pPr>
+            <a:r>
+              <a:rPr lang="en"/>
+              <a:t>Can create similar data</a:t>
             </a:r>
             <a:endParaRPr/>
           </a:p>
@@ -6448,12 +6759,60 @@
                 <a:spcPts val="1600"/>
               </a:spcBef>
               <a:spcAft>
-                <a:spcPts val="1600"/>
+                <a:spcPts val="0"/>
               </a:spcAft>
               <a:buNone/>
             </a:pPr>
             <a:r>
               <a:t/>
+            </a:r>
+            <a:endParaRPr/>
+          </a:p>
+          <a:p>
+            <a:pPr indent="0" lvl="0" marL="0" rtl="0" algn="l">
+              <a:spcBef>
+                <a:spcPts val="1600"/>
+              </a:spcBef>
+              <a:spcAft>
+                <a:spcPts val="0"/>
+              </a:spcAft>
+              <a:buNone/>
+            </a:pPr>
+            <a:r>
+              <a:t/>
+            </a:r>
+            <a:endParaRPr/>
+          </a:p>
+          <a:p>
+            <a:pPr indent="-342900" lvl="0" marL="457200" rtl="0" algn="l">
+              <a:spcBef>
+                <a:spcPts val="1600"/>
+              </a:spcBef>
+              <a:spcAft>
+                <a:spcPts val="0"/>
+              </a:spcAft>
+              <a:buSzPts val="1800"/>
+              <a:buChar char="-"/>
+            </a:pPr>
+            <a:r>
+              <a:rPr lang="en"/>
+              <a:t>No clear way to measure how similar</a:t>
+            </a:r>
+            <a:endParaRPr/>
+          </a:p>
+          <a:p>
+            <a:pPr indent="0" lvl="0" marL="457200" rtl="0" algn="l">
+              <a:spcBef>
+                <a:spcPts val="1600"/>
+              </a:spcBef>
+              <a:spcAft>
+                <a:spcPts val="1600"/>
+              </a:spcAft>
+              <a:buNone/>
+            </a:pPr>
+            <a:r>
+              <a:rPr lang="en"/>
+              <a:t>How VanGogh is it?</a:t>
             </a:r>
             <a:endParaRPr/>
           </a:p>
@@ -6461,7 +6820,7 @@
       </p:sp>
       <p:pic>
         <p:nvPicPr>
-          <p:cNvPr id="69" name="Google Shape;69;p15"/>
+          <p:cNvPr id="76" name="Google Shape;76;p16"/>
           <p:cNvPicPr preferRelativeResize="0"/>
           <p:nvPr/>
         </p:nvPicPr>
@@ -6489,7 +6848,7 @@
       </p:pic>
       <p:pic>
         <p:nvPicPr>
-          <p:cNvPr id="70" name="Google Shape;70;p15"/>
+          <p:cNvPr id="77" name="Google Shape;77;p16"/>
           <p:cNvPicPr preferRelativeResize="0"/>
           <p:nvPr/>
         </p:nvPicPr>
@@ -6503,174 +6862,8 @@
         </p:blipFill>
         <p:spPr>
           <a:xfrm>
-            <a:off x="890988" y="3057675"/>
+            <a:off x="890988" y="2676675"/>
             <a:ext cx="2962275" cy="742950"/>
-          </a:xfrm>
-          <a:prstGeom prst="rect">
-            <a:avLst/>
-          </a:prstGeom>
-          <a:noFill/>
-          <a:ln>
-            <a:noFill/>
-          </a:ln>
-        </p:spPr>
-      </p:pic>
-    </p:spTree>
-  </p:cSld>
-  <p:clrMapOvr>
-    <a:masterClrMapping/>
-  </p:clrMapOvr>
-</p:sld>
-</file>
-
-<file path=ppt/slides/slide4.xml><?xml version="1.0" encoding="utf-8"?>
-<p:sld xmlns:a="http://schemas.openxmlformats.org/drawingml/2006/main" xmlns:r="http://schemas.openxmlformats.org/officeDocument/2006/relationships" xmlns:mc="http://schemas.openxmlformats.org/markup-compatibility/2006" xmlns:mv="urn:schemas-microsoft-com:mac:vml" xmlns:p="http://schemas.openxmlformats.org/presentationml/2006/main" xmlns:c="http://schemas.openxmlformats.org/drawingml/2006/chart" xmlns:dgm="http://schemas.openxmlformats.org/drawingml/2006/diagram" xmlns:o="urn:schemas-microsoft-com:office:office" xmlns:v="urn:schemas-microsoft-com:vml" xmlns:pvml="urn:schemas-microsoft-com:office:powerpoint" xmlns:com="http://schemas.openxmlformats.org/drawingml/2006/compatibility" xmlns:p14="http://schemas.microsoft.com/office/powerpoint/2010/main" xmlns:p15="http://schemas.microsoft.com/office/powerpoint/2012/main">
-  <p:cSld>
-    <p:spTree>
-      <p:nvGrpSpPr>
-        <p:cNvPr id="74" name="Shape 74"/>
-        <p:cNvGrpSpPr/>
-        <p:nvPr/>
-      </p:nvGrpSpPr>
-      <p:grpSpPr>
-        <a:xfrm>
-          <a:off x="0" y="0"/>
-          <a:ext cx="0" cy="0"/>
-          <a:chOff x="0" y="0"/>
-          <a:chExt cx="0" cy="0"/>
-        </a:xfrm>
-      </p:grpSpPr>
-      <p:sp>
-        <p:nvSpPr>
-          <p:cNvPr id="75" name="Google Shape;75;p16"/>
-          <p:cNvSpPr txBox="1"/>
-          <p:nvPr>
-            <p:ph type="title"/>
-          </p:nvPr>
-        </p:nvSpPr>
-        <p:spPr>
-          <a:xfrm>
-            <a:off x="311700" y="445025"/>
-            <a:ext cx="8520600" cy="572700"/>
-          </a:xfrm>
-          <a:prstGeom prst="rect">
-            <a:avLst/>
-          </a:prstGeom>
-        </p:spPr>
-        <p:txBody>
-          <a:bodyPr anchorCtr="0" anchor="t" bIns="91425" lIns="91425" spcFirstLastPara="1" rIns="91425" wrap="square" tIns="91425">
-            <a:noAutofit/>
-          </a:bodyPr>
-          <a:lstStyle/>
-          <a:p>
-            <a:pPr indent="0" lvl="0" marL="0" rtl="0" algn="l">
-              <a:spcBef>
-                <a:spcPts val="0"/>
-              </a:spcBef>
-              <a:spcAft>
-                <a:spcPts val="0"/>
-              </a:spcAft>
-              <a:buNone/>
-            </a:pPr>
-            <a:r>
-              <a:rPr lang="en"/>
-              <a:t>GANs</a:t>
-            </a:r>
-            <a:endParaRPr/>
-          </a:p>
-        </p:txBody>
-      </p:sp>
-      <p:sp>
-        <p:nvSpPr>
-          <p:cNvPr id="76" name="Google Shape;76;p16"/>
-          <p:cNvSpPr txBox="1"/>
-          <p:nvPr>
-            <p:ph idx="1" type="body"/>
-          </p:nvPr>
-        </p:nvSpPr>
-        <p:spPr>
-          <a:xfrm>
-            <a:off x="311700" y="1152475"/>
-            <a:ext cx="8520600" cy="3416400"/>
-          </a:xfrm>
-          <a:prstGeom prst="rect">
-            <a:avLst/>
-          </a:prstGeom>
-        </p:spPr>
-        <p:txBody>
-          <a:bodyPr anchorCtr="0" anchor="t" bIns="91425" lIns="91425" spcFirstLastPara="1" rIns="91425" wrap="square" tIns="91425">
-            <a:noAutofit/>
-          </a:bodyPr>
-          <a:lstStyle/>
-          <a:p>
-            <a:pPr indent="-342900" lvl="0" marL="457200" rtl="0" algn="l">
-              <a:spcBef>
-                <a:spcPts val="0"/>
-              </a:spcBef>
-              <a:spcAft>
-                <a:spcPts val="0"/>
-              </a:spcAft>
-              <a:buSzPts val="1800"/>
-              <a:buChar char="-"/>
-            </a:pPr>
-            <a:r>
-              <a:rPr lang="en"/>
-              <a:t>Discriminator ( Critic ) determines error</a:t>
-            </a:r>
-            <a:endParaRPr/>
-          </a:p>
-          <a:p>
-            <a:pPr indent="-342900" lvl="0" marL="457200" rtl="0" algn="l">
-              <a:spcBef>
-                <a:spcPts val="0"/>
-              </a:spcBef>
-              <a:spcAft>
-                <a:spcPts val="0"/>
-              </a:spcAft>
-              <a:buSzPts val="1800"/>
-              <a:buChar char="-"/>
-            </a:pPr>
-            <a:r>
-              <a:rPr lang="en"/>
-              <a:t>Generator can be used to create new data ( medical imaging )</a:t>
-            </a:r>
-            <a:endParaRPr/>
-          </a:p>
-          <a:p>
-            <a:pPr indent="0" lvl="0" marL="457200" rtl="0" algn="l">
-              <a:spcBef>
-                <a:spcPts val="1600"/>
-              </a:spcBef>
-              <a:spcAft>
-                <a:spcPts val="1600"/>
-              </a:spcAft>
-              <a:buNone/>
-            </a:pPr>
-            <a:r>
-              <a:t/>
-            </a:r>
-            <a:endParaRPr/>
-          </a:p>
-        </p:txBody>
-      </p:sp>
-      <p:pic>
-        <p:nvPicPr>
-          <p:cNvPr descr="Image result for gan&quot;" id="77" name="Google Shape;77;p16"/>
-          <p:cNvPicPr preferRelativeResize="0"/>
-          <p:nvPr/>
-        </p:nvPicPr>
-        <p:blipFill>
-          <a:blip r:embed="rId3">
-            <a:alphaModFix/>
-          </a:blip>
-          <a:stretch>
-            <a:fillRect/>
-          </a:stretch>
-        </p:blipFill>
-        <p:spPr>
-          <a:xfrm>
-            <a:off x="1218600" y="2016150"/>
-            <a:ext cx="5619751" cy="2610847"/>
           </a:xfrm>
           <a:prstGeom prst="rect">
             <a:avLst/>
@@ -6716,7 +6909,7 @@
         </p:nvSpPr>
         <p:spPr>
           <a:xfrm>
-            <a:off x="311700" y="398500"/>
+            <a:off x="311700" y="445025"/>
             <a:ext cx="8520600" cy="572700"/>
           </a:xfrm>
           <a:prstGeom prst="rect">
@@ -6740,7 +6933,7 @@
             </a:pPr>
             <a:r>
               <a:rPr lang="en"/>
-              <a:t>Semi Supervised GAN</a:t>
+              <a:t>GANs</a:t>
             </a:r>
             <a:endParaRPr/>
           </a:p>
@@ -6769,84 +6962,41 @@
           </a:bodyPr>
           <a:lstStyle/>
           <a:p>
-            <a:pPr indent="0" lvl="0" marL="0" rtl="0" algn="l">
-              <a:spcBef>
-                <a:spcPts val="0"/>
-              </a:spcBef>
-              <a:spcAft>
-                <a:spcPts val="0"/>
-              </a:spcAft>
-              <a:buNone/>
+            <a:pPr indent="-342900" lvl="0" marL="457200" rtl="0" algn="l">
+              <a:spcBef>
+                <a:spcPts val="0"/>
+              </a:spcBef>
+              <a:spcAft>
+                <a:spcPts val="0"/>
+              </a:spcAft>
+              <a:buSzPts val="1800"/>
+              <a:buChar char="-"/>
             </a:pPr>
             <a:r>
               <a:rPr lang="en"/>
-              <a:t>Can be used with partially labeled data ( Kannada/MNIST ) </a:t>
+              <a:t>Discriminator ( Critic ) determines error</a:t>
             </a:r>
             <a:endParaRPr/>
           </a:p>
           <a:p>
-            <a:pPr indent="0" lvl="0" marL="0" rtl="0" algn="l">
-              <a:spcBef>
-                <a:spcPts val="1600"/>
-              </a:spcBef>
-              <a:spcAft>
-                <a:spcPts val="0"/>
-              </a:spcAft>
-              <a:buNone/>
+            <a:pPr indent="-342900" lvl="0" marL="457200" rtl="0" algn="l">
+              <a:spcBef>
+                <a:spcPts val="0"/>
+              </a:spcBef>
+              <a:spcAft>
+                <a:spcPts val="0"/>
+              </a:spcAft>
+              <a:buSzPts val="1800"/>
+              <a:buChar char="-"/>
             </a:pPr>
             <a:r>
               <a:rPr lang="en"/>
-              <a:t>( different distribution btwn train/test/val data, used only 4k labeled images of 40k, 81% accuracy)</a:t>
+              <a:t>Generator can be used to create new data ( medical imaging )</a:t>
             </a:r>
             <a:endParaRPr/>
           </a:p>
           <a:p>
-            <a:pPr indent="0" lvl="0" marL="0" rtl="0" algn="l">
-              <a:spcBef>
-                <a:spcPts val="1600"/>
-              </a:spcBef>
-              <a:spcAft>
-                <a:spcPts val="0"/>
-              </a:spcAft>
-              <a:buNone/>
-            </a:pPr>
-            <a:r>
-              <a:t/>
-            </a:r>
-            <a:endParaRPr/>
-          </a:p>
-          <a:p>
-            <a:pPr indent="0" lvl="0" marL="0" rtl="0" algn="l">
-              <a:spcBef>
-                <a:spcPts val="1600"/>
-              </a:spcBef>
-              <a:spcAft>
-                <a:spcPts val="0"/>
-              </a:spcAft>
-              <a:buNone/>
-            </a:pPr>
-            <a:r>
-              <a:t/>
-            </a:r>
-            <a:endParaRPr/>
-          </a:p>
-          <a:p>
-            <a:pPr indent="0" lvl="0" marL="0" rtl="0" algn="l">
-              <a:spcBef>
-                <a:spcPts val="1600"/>
-              </a:spcBef>
-              <a:spcAft>
-                <a:spcPts val="0"/>
-              </a:spcAft>
-              <a:buNone/>
-            </a:pPr>
-            <a:r>
-              <a:t/>
-            </a:r>
-            <a:endParaRPr/>
-          </a:p>
-          <a:p>
-            <a:pPr indent="0" lvl="0" marL="0" rtl="0" algn="l">
+            <a:pPr indent="0" lvl="0" marL="457200" rtl="0" algn="l">
               <a:spcBef>
                 <a:spcPts val="1600"/>
               </a:spcBef>
@@ -6864,7 +7014,7 @@
       </p:sp>
       <p:pic>
         <p:nvPicPr>
-          <p:cNvPr id="84" name="Google Shape;84;p17"/>
+          <p:cNvPr descr="Image result for gan&quot;" id="84" name="Google Shape;84;p17"/>
           <p:cNvPicPr preferRelativeResize="0"/>
           <p:nvPr/>
         </p:nvPicPr>
@@ -6878,8 +7028,8 @@
         </p:blipFill>
         <p:spPr>
           <a:xfrm>
-            <a:off x="2262175" y="2379300"/>
-            <a:ext cx="4030199" cy="2504075"/>
+            <a:off x="1218600" y="2016150"/>
+            <a:ext cx="5619751" cy="2610847"/>
           </a:xfrm>
           <a:prstGeom prst="rect">
             <a:avLst/>
@@ -6925,6 +7075,215 @@
         </p:nvSpPr>
         <p:spPr>
           <a:xfrm>
+            <a:off x="311700" y="398500"/>
+            <a:ext cx="8520600" cy="572700"/>
+          </a:xfrm>
+          <a:prstGeom prst="rect">
+            <a:avLst/>
+          </a:prstGeom>
+        </p:spPr>
+        <p:txBody>
+          <a:bodyPr anchorCtr="0" anchor="t" bIns="91425" lIns="91425" spcFirstLastPara="1" rIns="91425" wrap="square" tIns="91425">
+            <a:noAutofit/>
+          </a:bodyPr>
+          <a:lstStyle/>
+          <a:p>
+            <a:pPr indent="0" lvl="0" marL="0" rtl="0" algn="l">
+              <a:spcBef>
+                <a:spcPts val="0"/>
+              </a:spcBef>
+              <a:spcAft>
+                <a:spcPts val="0"/>
+              </a:spcAft>
+              <a:buNone/>
+            </a:pPr>
+            <a:r>
+              <a:rPr lang="en"/>
+              <a:t>Semi Supervised GAN</a:t>
+            </a:r>
+            <a:endParaRPr/>
+          </a:p>
+        </p:txBody>
+      </p:sp>
+      <p:sp>
+        <p:nvSpPr>
+          <p:cNvPr id="90" name="Google Shape;90;p18"/>
+          <p:cNvSpPr txBox="1"/>
+          <p:nvPr>
+            <p:ph idx="1" type="body"/>
+          </p:nvPr>
+        </p:nvSpPr>
+        <p:spPr>
+          <a:xfrm>
+            <a:off x="311700" y="1152475"/>
+            <a:ext cx="8520600" cy="3416400"/>
+          </a:xfrm>
+          <a:prstGeom prst="rect">
+            <a:avLst/>
+          </a:prstGeom>
+        </p:spPr>
+        <p:txBody>
+          <a:bodyPr anchorCtr="0" anchor="t" bIns="91425" lIns="91425" spcFirstLastPara="1" rIns="91425" wrap="square" tIns="91425">
+            <a:noAutofit/>
+          </a:bodyPr>
+          <a:lstStyle/>
+          <a:p>
+            <a:pPr indent="0" lvl="0" marL="0" rtl="0" algn="l">
+              <a:spcBef>
+                <a:spcPts val="0"/>
+              </a:spcBef>
+              <a:spcAft>
+                <a:spcPts val="0"/>
+              </a:spcAft>
+              <a:buNone/>
+            </a:pPr>
+            <a:r>
+              <a:rPr lang="en"/>
+              <a:t>Can be used with partially labeled data ( Kannada/MNIST ) </a:t>
+            </a:r>
+            <a:endParaRPr/>
+          </a:p>
+          <a:p>
+            <a:pPr indent="0" lvl="0" marL="0" rtl="0" algn="l">
+              <a:spcBef>
+                <a:spcPts val="1600"/>
+              </a:spcBef>
+              <a:spcAft>
+                <a:spcPts val="0"/>
+              </a:spcAft>
+              <a:buNone/>
+            </a:pPr>
+            <a:r>
+              <a:rPr lang="en"/>
+              <a:t>( different distribution btwn train/test/val data, used only 4k labeled images of 40k, 81% accuracy)</a:t>
+            </a:r>
+            <a:endParaRPr/>
+          </a:p>
+          <a:p>
+            <a:pPr indent="0" lvl="0" marL="0" rtl="0" algn="l">
+              <a:spcBef>
+                <a:spcPts val="1600"/>
+              </a:spcBef>
+              <a:spcAft>
+                <a:spcPts val="0"/>
+              </a:spcAft>
+              <a:buNone/>
+            </a:pPr>
+            <a:r>
+              <a:t/>
+            </a:r>
+            <a:endParaRPr/>
+          </a:p>
+          <a:p>
+            <a:pPr indent="0" lvl="0" marL="0" rtl="0" algn="l">
+              <a:spcBef>
+                <a:spcPts val="1600"/>
+              </a:spcBef>
+              <a:spcAft>
+                <a:spcPts val="0"/>
+              </a:spcAft>
+              <a:buNone/>
+            </a:pPr>
+            <a:r>
+              <a:t/>
+            </a:r>
+            <a:endParaRPr/>
+          </a:p>
+          <a:p>
+            <a:pPr indent="0" lvl="0" marL="0" rtl="0" algn="l">
+              <a:spcBef>
+                <a:spcPts val="1600"/>
+              </a:spcBef>
+              <a:spcAft>
+                <a:spcPts val="0"/>
+              </a:spcAft>
+              <a:buNone/>
+            </a:pPr>
+            <a:r>
+              <a:t/>
+            </a:r>
+            <a:endParaRPr/>
+          </a:p>
+          <a:p>
+            <a:pPr indent="0" lvl="0" marL="0" rtl="0" algn="l">
+              <a:spcBef>
+                <a:spcPts val="1600"/>
+              </a:spcBef>
+              <a:spcAft>
+                <a:spcPts val="1600"/>
+              </a:spcAft>
+              <a:buNone/>
+            </a:pPr>
+            <a:r>
+              <a:t/>
+            </a:r>
+            <a:endParaRPr/>
+          </a:p>
+        </p:txBody>
+      </p:sp>
+      <p:pic>
+        <p:nvPicPr>
+          <p:cNvPr id="91" name="Google Shape;91;p18"/>
+          <p:cNvPicPr preferRelativeResize="0"/>
+          <p:nvPr/>
+        </p:nvPicPr>
+        <p:blipFill>
+          <a:blip r:embed="rId3">
+            <a:alphaModFix/>
+          </a:blip>
+          <a:stretch>
+            <a:fillRect/>
+          </a:stretch>
+        </p:blipFill>
+        <p:spPr>
+          <a:xfrm>
+            <a:off x="2262175" y="2379300"/>
+            <a:ext cx="4030199" cy="2504075"/>
+          </a:xfrm>
+          <a:prstGeom prst="rect">
+            <a:avLst/>
+          </a:prstGeom>
+          <a:noFill/>
+          <a:ln>
+            <a:noFill/>
+          </a:ln>
+        </p:spPr>
+      </p:pic>
+    </p:spTree>
+  </p:cSld>
+  <p:clrMapOvr>
+    <a:masterClrMapping/>
+  </p:clrMapOvr>
+</p:sld>
+</file>
+
+<file path=ppt/slides/slide7.xml><?xml version="1.0" encoding="utf-8"?>
+<p:sld xmlns:a="http://schemas.openxmlformats.org/drawingml/2006/main" xmlns:r="http://schemas.openxmlformats.org/officeDocument/2006/relationships" xmlns:mc="http://schemas.openxmlformats.org/markup-compatibility/2006" xmlns:mv="urn:schemas-microsoft-com:mac:vml" xmlns:p="http://schemas.openxmlformats.org/presentationml/2006/main" xmlns:c="http://schemas.openxmlformats.org/drawingml/2006/chart" xmlns:dgm="http://schemas.openxmlformats.org/drawingml/2006/diagram" xmlns:o="urn:schemas-microsoft-com:office:office" xmlns:v="urn:schemas-microsoft-com:vml" xmlns:pvml="urn:schemas-microsoft-com:office:powerpoint" xmlns:com="http://schemas.openxmlformats.org/drawingml/2006/compatibility" xmlns:p14="http://schemas.microsoft.com/office/powerpoint/2010/main" xmlns:p15="http://schemas.microsoft.com/office/powerpoint/2012/main">
+  <p:cSld>
+    <p:spTree>
+      <p:nvGrpSpPr>
+        <p:cNvPr id="95" name="Shape 95"/>
+        <p:cNvGrpSpPr/>
+        <p:nvPr/>
+      </p:nvGrpSpPr>
+      <p:grpSpPr>
+        <a:xfrm>
+          <a:off x="0" y="0"/>
+          <a:ext cx="0" cy="0"/>
+          <a:chOff x="0" y="0"/>
+          <a:chExt cx="0" cy="0"/>
+        </a:xfrm>
+      </p:grpSpPr>
+      <p:sp>
+        <p:nvSpPr>
+          <p:cNvPr id="96" name="Google Shape;96;p19"/>
+          <p:cNvSpPr txBox="1"/>
+          <p:nvPr>
+            <p:ph type="title"/>
+          </p:nvPr>
+        </p:nvSpPr>
+        <p:spPr>
+          <a:xfrm>
             <a:off x="311700" y="445025"/>
             <a:ext cx="8520600" cy="572700"/>
           </a:xfrm>
@@ -6972,7 +7331,7 @@
       </p:sp>
       <p:sp>
         <p:nvSpPr>
-          <p:cNvPr id="90" name="Google Shape;90;p18"/>
+          <p:cNvPr id="97" name="Google Shape;97;p19"/>
           <p:cNvSpPr txBox="1"/>
           <p:nvPr>
             <p:ph idx="1" type="body"/>
@@ -7162,12 +7521,12 @@
 </p:sld>
 </file>
 
-<file path=ppt/slides/slide7.xml><?xml version="1.0" encoding="utf-8"?>
+<file path=ppt/slides/slide8.xml><?xml version="1.0" encoding="utf-8"?>
 <p:sld xmlns:a="http://schemas.openxmlformats.org/drawingml/2006/main" xmlns:r="http://schemas.openxmlformats.org/officeDocument/2006/relationships" xmlns:mc="http://schemas.openxmlformats.org/markup-compatibility/2006" xmlns:mv="urn:schemas-microsoft-com:mac:vml" xmlns:p="http://schemas.openxmlformats.org/presentationml/2006/main" xmlns:c="http://schemas.openxmlformats.org/drawingml/2006/chart" xmlns:dgm="http://schemas.openxmlformats.org/drawingml/2006/diagram" xmlns:o="urn:schemas-microsoft-com:office:office" xmlns:v="urn:schemas-microsoft-com:vml" xmlns:pvml="urn:schemas-microsoft-com:office:powerpoint" xmlns:com="http://schemas.openxmlformats.org/drawingml/2006/compatibility" xmlns:p14="http://schemas.microsoft.com/office/powerpoint/2010/main" xmlns:p15="http://schemas.microsoft.com/office/powerpoint/2012/main">
   <p:cSld>
     <p:spTree>
       <p:nvGrpSpPr>
-        <p:cNvPr id="94" name="Shape 94"/>
+        <p:cNvPr id="101" name="Shape 101"/>
         <p:cNvGrpSpPr/>
         <p:nvPr/>
       </p:nvGrpSpPr>
@@ -7181,7 +7540,7 @@
       </p:grpSpPr>
       <p:sp>
         <p:nvSpPr>
-          <p:cNvPr id="95" name="Google Shape;95;p19"/>
+          <p:cNvPr id="102" name="Google Shape;102;p20"/>
           <p:cNvSpPr txBox="1"/>
           <p:nvPr>
             <p:ph type="title"/>
@@ -7221,7 +7580,7 @@
       </p:sp>
       <p:sp>
         <p:nvSpPr>
-          <p:cNvPr id="96" name="Google Shape;96;p19"/>
+          <p:cNvPr id="103" name="Google Shape;103;p20"/>
           <p:cNvSpPr txBox="1"/>
           <p:nvPr>
             <p:ph idx="1" type="body"/>

--- a/GAN Talk/GANs.pptx
+++ b/GAN Talk/GANs.pptx
@@ -16,6 +16,8 @@
     <p:sldId id="261" r:id="rId11"/>
     <p:sldId id="262" r:id="rId12"/>
     <p:sldId id="263" r:id="rId13"/>
+    <p:sldId id="264" r:id="rId14"/>
+    <p:sldId id="265" r:id="rId15"/>
   </p:sldIdLst>
   <p:sldSz cy="5143500" cx="9144000"/>
   <p:notesSz cx="6858000" cy="9144000"/>
@@ -792,6 +794,105 @@
 </p:notes>
 </file>
 
+<file path=ppt/notesSlides/notesSlide10.xml><?xml version="1.0" encoding="utf-8"?>
+<p:notes xmlns:a="http://schemas.openxmlformats.org/drawingml/2006/main" xmlns:r="http://schemas.openxmlformats.org/officeDocument/2006/relationships" xmlns:mc="http://schemas.openxmlformats.org/markup-compatibility/2006" xmlns:mv="urn:schemas-microsoft-com:mac:vml" xmlns:p="http://schemas.openxmlformats.org/presentationml/2006/main" xmlns:c="http://schemas.openxmlformats.org/drawingml/2006/chart" xmlns:dgm="http://schemas.openxmlformats.org/drawingml/2006/diagram" xmlns:o="urn:schemas-microsoft-com:office:office" xmlns:v="urn:schemas-microsoft-com:vml" xmlns:pvml="urn:schemas-microsoft-com:office:powerpoint" xmlns:com="http://schemas.openxmlformats.org/drawingml/2006/compatibility" xmlns:p14="http://schemas.microsoft.com/office/powerpoint/2010/main" xmlns:p15="http://schemas.microsoft.com/office/powerpoint/2012/main" showMasterPhAnim="0" showMasterSp="0">
+  <p:cSld>
+    <p:spTree>
+      <p:nvGrpSpPr>
+        <p:cNvPr id="110" name="Shape 110"/>
+        <p:cNvGrpSpPr/>
+        <p:nvPr/>
+      </p:nvGrpSpPr>
+      <p:grpSpPr>
+        <a:xfrm>
+          <a:off x="0" y="0"/>
+          <a:ext cx="0" cy="0"/>
+          <a:chOff x="0" y="0"/>
+          <a:chExt cx="0" cy="0"/>
+        </a:xfrm>
+      </p:grpSpPr>
+      <p:sp>
+        <p:nvSpPr>
+          <p:cNvPr id="111" name="Google Shape;111;g78d7463e26_0_0:notes"/>
+          <p:cNvSpPr/>
+          <p:nvPr>
+            <p:ph idx="2" type="sldImg"/>
+          </p:nvPr>
+        </p:nvSpPr>
+        <p:spPr>
+          <a:xfrm>
+            <a:off x="381300" y="685800"/>
+            <a:ext cx="6096000" cy="3429000"/>
+          </a:xfrm>
+          <a:custGeom>
+            <a:rect b="b" l="l" r="r" t="t"/>
+            <a:pathLst>
+              <a:path extrusionOk="0" h="120000" w="120000">
+                <a:moveTo>
+                  <a:pt x="0" y="0"/>
+                </a:moveTo>
+                <a:lnTo>
+                  <a:pt x="120000" y="0"/>
+                </a:lnTo>
+                <a:lnTo>
+                  <a:pt x="120000" y="120000"/>
+                </a:lnTo>
+                <a:lnTo>
+                  <a:pt x="0" y="120000"/>
+                </a:lnTo>
+                <a:close/>
+              </a:path>
+            </a:pathLst>
+          </a:custGeom>
+        </p:spPr>
+      </p:sp>
+      <p:sp>
+        <p:nvSpPr>
+          <p:cNvPr id="112" name="Google Shape;112;g78d7463e26_0_0:notes"/>
+          <p:cNvSpPr txBox="1"/>
+          <p:nvPr>
+            <p:ph idx="1" type="body"/>
+          </p:nvPr>
+        </p:nvSpPr>
+        <p:spPr>
+          <a:xfrm>
+            <a:off x="685800" y="4343400"/>
+            <a:ext cx="5486400" cy="4114800"/>
+          </a:xfrm>
+          <a:prstGeom prst="rect">
+            <a:avLst/>
+          </a:prstGeom>
+        </p:spPr>
+        <p:txBody>
+          <a:bodyPr anchorCtr="0" anchor="t" bIns="91425" lIns="91425" spcFirstLastPara="1" rIns="91425" wrap="square" tIns="91425">
+            <a:noAutofit/>
+          </a:bodyPr>
+          <a:lstStyle/>
+          <a:p>
+            <a:pPr indent="0" lvl="0" marL="0" rtl="0" algn="l">
+              <a:spcBef>
+                <a:spcPts val="0"/>
+              </a:spcBef>
+              <a:spcAft>
+                <a:spcPts val="0"/>
+              </a:spcAft>
+              <a:buNone/>
+            </a:pPr>
+            <a:r>
+              <a:t/>
+            </a:r>
+            <a:endParaRPr/>
+          </a:p>
+        </p:txBody>
+      </p:sp>
+    </p:spTree>
+  </p:cSld>
+  <p:clrMapOvr>
+    <a:masterClrMapping/>
+  </p:clrMapOvr>
+</p:notes>
+</file>
+
 <file path=ppt/notesSlides/notesSlide2.xml><?xml version="1.0" encoding="utf-8"?>
 <p:notes xmlns:a="http://schemas.openxmlformats.org/drawingml/2006/main" xmlns:r="http://schemas.openxmlformats.org/officeDocument/2006/relationships" xmlns:mc="http://schemas.openxmlformats.org/markup-compatibility/2006" xmlns:mv="urn:schemas-microsoft-com:mac:vml" xmlns:p="http://schemas.openxmlformats.org/presentationml/2006/main" xmlns:c="http://schemas.openxmlformats.org/drawingml/2006/chart" xmlns:dgm="http://schemas.openxmlformats.org/drawingml/2006/diagram" xmlns:o="urn:schemas-microsoft-com:office:office" xmlns:v="urn:schemas-microsoft-com:vml" xmlns:pvml="urn:schemas-microsoft-com:office:powerpoint" xmlns:com="http://schemas.openxmlformats.org/drawingml/2006/compatibility" xmlns:p14="http://schemas.microsoft.com/office/powerpoint/2010/main" xmlns:p15="http://schemas.microsoft.com/office/powerpoint/2012/main" showMasterPhAnim="0" showMasterSp="0">
   <p:cSld>
@@ -1207,7 +1308,7 @@
       </p:grpSpPr>
       <p:sp>
         <p:nvSpPr>
-          <p:cNvPr id="86" name="Google Shape;86;g73f69b1589_1_4:notes"/>
+          <p:cNvPr id="86" name="Google Shape;86;g6b69974dee_0_0:notes"/>
           <p:cNvSpPr/>
           <p:nvPr>
             <p:ph idx="2" type="sldImg"/>
@@ -1242,7 +1343,7 @@
       </p:sp>
       <p:sp>
         <p:nvSpPr>
-          <p:cNvPr id="87" name="Google Shape;87;g73f69b1589_1_4:notes"/>
+          <p:cNvPr id="87" name="Google Shape;87;g6b69974dee_0_0:notes"/>
           <p:cNvSpPr txBox="1"/>
           <p:nvPr>
             <p:ph idx="1" type="body"/>
@@ -1292,7 +1393,7 @@
   <p:cSld>
     <p:spTree>
       <p:nvGrpSpPr>
-        <p:cNvPr id="92" name="Shape 92"/>
+        <p:cNvPr id="91" name="Shape 91"/>
         <p:cNvGrpSpPr/>
         <p:nvPr/>
       </p:nvGrpSpPr>
@@ -1306,7 +1407,7 @@
       </p:grpSpPr>
       <p:sp>
         <p:nvSpPr>
-          <p:cNvPr id="93" name="Google Shape;93;g73f69b1589_0_106:notes"/>
+          <p:cNvPr id="92" name="Google Shape;92;g73f69b1589_1_4:notes"/>
           <p:cNvSpPr/>
           <p:nvPr>
             <p:ph idx="2" type="sldImg"/>
@@ -1341,7 +1442,7 @@
       </p:sp>
       <p:sp>
         <p:nvSpPr>
-          <p:cNvPr id="94" name="Google Shape;94;g73f69b1589_0_106:notes"/>
+          <p:cNvPr id="93" name="Google Shape;93;g73f69b1589_1_4:notes"/>
           <p:cNvSpPr txBox="1"/>
           <p:nvPr>
             <p:ph idx="1" type="body"/>
@@ -1405,7 +1506,7 @@
       </p:grpSpPr>
       <p:sp>
         <p:nvSpPr>
-          <p:cNvPr id="99" name="Google Shape;99;g73f69b1589_0_111:notes"/>
+          <p:cNvPr id="99" name="Google Shape;99;g73f69b1589_0_106:notes"/>
           <p:cNvSpPr/>
           <p:nvPr>
             <p:ph idx="2" type="sldImg"/>
@@ -1440,7 +1541,106 @@
       </p:sp>
       <p:sp>
         <p:nvSpPr>
-          <p:cNvPr id="100" name="Google Shape;100;g73f69b1589_0_111:notes"/>
+          <p:cNvPr id="100" name="Google Shape;100;g73f69b1589_0_106:notes"/>
+          <p:cNvSpPr txBox="1"/>
+          <p:nvPr>
+            <p:ph idx="1" type="body"/>
+          </p:nvPr>
+        </p:nvSpPr>
+        <p:spPr>
+          <a:xfrm>
+            <a:off x="685800" y="4343400"/>
+            <a:ext cx="5486400" cy="4114800"/>
+          </a:xfrm>
+          <a:prstGeom prst="rect">
+            <a:avLst/>
+          </a:prstGeom>
+        </p:spPr>
+        <p:txBody>
+          <a:bodyPr anchorCtr="0" anchor="t" bIns="91425" lIns="91425" spcFirstLastPara="1" rIns="91425" wrap="square" tIns="91425">
+            <a:noAutofit/>
+          </a:bodyPr>
+          <a:lstStyle/>
+          <a:p>
+            <a:pPr indent="0" lvl="0" marL="0" rtl="0" algn="l">
+              <a:spcBef>
+                <a:spcPts val="0"/>
+              </a:spcBef>
+              <a:spcAft>
+                <a:spcPts val="0"/>
+              </a:spcAft>
+              <a:buNone/>
+            </a:pPr>
+            <a:r>
+              <a:t/>
+            </a:r>
+            <a:endParaRPr/>
+          </a:p>
+        </p:txBody>
+      </p:sp>
+    </p:spTree>
+  </p:cSld>
+  <p:clrMapOvr>
+    <a:masterClrMapping/>
+  </p:clrMapOvr>
+</p:notes>
+</file>
+
+<file path=ppt/notesSlides/notesSlide9.xml><?xml version="1.0" encoding="utf-8"?>
+<p:notes xmlns:a="http://schemas.openxmlformats.org/drawingml/2006/main" xmlns:r="http://schemas.openxmlformats.org/officeDocument/2006/relationships" xmlns:mc="http://schemas.openxmlformats.org/markup-compatibility/2006" xmlns:mv="urn:schemas-microsoft-com:mac:vml" xmlns:p="http://schemas.openxmlformats.org/presentationml/2006/main" xmlns:c="http://schemas.openxmlformats.org/drawingml/2006/chart" xmlns:dgm="http://schemas.openxmlformats.org/drawingml/2006/diagram" xmlns:o="urn:schemas-microsoft-com:office:office" xmlns:v="urn:schemas-microsoft-com:vml" xmlns:pvml="urn:schemas-microsoft-com:office:powerpoint" xmlns:com="http://schemas.openxmlformats.org/drawingml/2006/compatibility" xmlns:p14="http://schemas.microsoft.com/office/powerpoint/2010/main" xmlns:p15="http://schemas.microsoft.com/office/powerpoint/2012/main" showMasterPhAnim="0" showMasterSp="0">
+  <p:cSld>
+    <p:spTree>
+      <p:nvGrpSpPr>
+        <p:cNvPr id="104" name="Shape 104"/>
+        <p:cNvGrpSpPr/>
+        <p:nvPr/>
+      </p:nvGrpSpPr>
+      <p:grpSpPr>
+        <a:xfrm>
+          <a:off x="0" y="0"/>
+          <a:ext cx="0" cy="0"/>
+          <a:chOff x="0" y="0"/>
+          <a:chExt cx="0" cy="0"/>
+        </a:xfrm>
+      </p:grpSpPr>
+      <p:sp>
+        <p:nvSpPr>
+          <p:cNvPr id="105" name="Google Shape;105;g73f69b1589_0_111:notes"/>
+          <p:cNvSpPr/>
+          <p:nvPr>
+            <p:ph idx="2" type="sldImg"/>
+          </p:nvPr>
+        </p:nvSpPr>
+        <p:spPr>
+          <a:xfrm>
+            <a:off x="381300" y="685800"/>
+            <a:ext cx="6096000" cy="3429000"/>
+          </a:xfrm>
+          <a:custGeom>
+            <a:rect b="b" l="l" r="r" t="t"/>
+            <a:pathLst>
+              <a:path extrusionOk="0" h="120000" w="120000">
+                <a:moveTo>
+                  <a:pt x="0" y="0"/>
+                </a:moveTo>
+                <a:lnTo>
+                  <a:pt x="120000" y="0"/>
+                </a:lnTo>
+                <a:lnTo>
+                  <a:pt x="120000" y="120000"/>
+                </a:lnTo>
+                <a:lnTo>
+                  <a:pt x="0" y="120000"/>
+                </a:lnTo>
+                <a:close/>
+              </a:path>
+            </a:pathLst>
+          </a:custGeom>
+        </p:spPr>
+      </p:sp>
+      <p:sp>
+        <p:nvSpPr>
+          <p:cNvPr id="106" name="Google Shape;106;g73f69b1589_0_111:notes"/>
           <p:cNvSpPr txBox="1"/>
           <p:nvPr>
             <p:ph idx="1" type="body"/>
@@ -6244,6 +6444,154 @@
 </p:sld>
 </file>
 
+<file path=ppt/slides/slide10.xml><?xml version="1.0" encoding="utf-8"?>
+<p:sld xmlns:a="http://schemas.openxmlformats.org/drawingml/2006/main" xmlns:r="http://schemas.openxmlformats.org/officeDocument/2006/relationships" xmlns:mc="http://schemas.openxmlformats.org/markup-compatibility/2006" xmlns:mv="urn:schemas-microsoft-com:mac:vml" xmlns:p="http://schemas.openxmlformats.org/presentationml/2006/main" xmlns:c="http://schemas.openxmlformats.org/drawingml/2006/chart" xmlns:dgm="http://schemas.openxmlformats.org/drawingml/2006/diagram" xmlns:o="urn:schemas-microsoft-com:office:office" xmlns:v="urn:schemas-microsoft-com:vml" xmlns:pvml="urn:schemas-microsoft-com:office:powerpoint" xmlns:com="http://schemas.openxmlformats.org/drawingml/2006/compatibility" xmlns:p14="http://schemas.microsoft.com/office/powerpoint/2010/main" xmlns:p15="http://schemas.microsoft.com/office/powerpoint/2012/main">
+  <p:cSld>
+    <p:spTree>
+      <p:nvGrpSpPr>
+        <p:cNvPr id="113" name="Shape 113"/>
+        <p:cNvGrpSpPr/>
+        <p:nvPr/>
+      </p:nvGrpSpPr>
+      <p:grpSpPr>
+        <a:xfrm>
+          <a:off x="0" y="0"/>
+          <a:ext cx="0" cy="0"/>
+          <a:chOff x="0" y="0"/>
+          <a:chExt cx="0" cy="0"/>
+        </a:xfrm>
+      </p:grpSpPr>
+      <p:sp>
+        <p:nvSpPr>
+          <p:cNvPr id="114" name="Google Shape;114;p22"/>
+          <p:cNvSpPr txBox="1"/>
+          <p:nvPr>
+            <p:ph type="title"/>
+          </p:nvPr>
+        </p:nvSpPr>
+        <p:spPr>
+          <a:xfrm>
+            <a:off x="311700" y="445025"/>
+            <a:ext cx="8520600" cy="572700"/>
+          </a:xfrm>
+          <a:prstGeom prst="rect">
+            <a:avLst/>
+          </a:prstGeom>
+        </p:spPr>
+        <p:txBody>
+          <a:bodyPr anchorCtr="0" anchor="t" bIns="91425" lIns="91425" spcFirstLastPara="1" rIns="91425" wrap="square" tIns="91425">
+            <a:noAutofit/>
+          </a:bodyPr>
+          <a:lstStyle/>
+          <a:p>
+            <a:pPr indent="0" lvl="0" marL="0" rtl="0" algn="l">
+              <a:spcBef>
+                <a:spcPts val="0"/>
+              </a:spcBef>
+              <a:spcAft>
+                <a:spcPts val="0"/>
+              </a:spcAft>
+              <a:buNone/>
+            </a:pPr>
+            <a:r>
+              <a:rPr lang="en"/>
+              <a:t>Misc	</a:t>
+            </a:r>
+            <a:endParaRPr/>
+          </a:p>
+        </p:txBody>
+      </p:sp>
+      <p:sp>
+        <p:nvSpPr>
+          <p:cNvPr id="115" name="Google Shape;115;p22"/>
+          <p:cNvSpPr txBox="1"/>
+          <p:nvPr>
+            <p:ph idx="1" type="body"/>
+          </p:nvPr>
+        </p:nvSpPr>
+        <p:spPr>
+          <a:xfrm>
+            <a:off x="311700" y="1152475"/>
+            <a:ext cx="8520600" cy="3416400"/>
+          </a:xfrm>
+          <a:prstGeom prst="rect">
+            <a:avLst/>
+          </a:prstGeom>
+        </p:spPr>
+        <p:txBody>
+          <a:bodyPr anchorCtr="0" anchor="t" bIns="91425" lIns="91425" spcFirstLastPara="1" rIns="91425" wrap="square" tIns="91425">
+            <a:noAutofit/>
+          </a:bodyPr>
+          <a:lstStyle/>
+          <a:p>
+            <a:pPr indent="0" lvl="0" marL="0" rtl="0" algn="l">
+              <a:spcBef>
+                <a:spcPts val="0"/>
+              </a:spcBef>
+              <a:spcAft>
+                <a:spcPts val="0"/>
+              </a:spcAft>
+              <a:buNone/>
+            </a:pPr>
+            <a:r>
+              <a:rPr lang="en"/>
+              <a:t>Papers with Code: </a:t>
+            </a:r>
+            <a:r>
+              <a:rPr lang="en" u="sng">
+                <a:solidFill>
+                  <a:schemeClr val="hlink"/>
+                </a:solidFill>
+                <a:hlinkClick r:id="rId3"/>
+              </a:rPr>
+              <a:t>https://paperswithcode.com</a:t>
+            </a:r>
+            <a:r>
+              <a:rPr lang="en"/>
+              <a:t>	</a:t>
+            </a:r>
+            <a:endParaRPr/>
+          </a:p>
+          <a:p>
+            <a:pPr indent="0" lvl="0" marL="0" rtl="0" algn="l">
+              <a:spcBef>
+                <a:spcPts val="1600"/>
+              </a:spcBef>
+              <a:spcAft>
+                <a:spcPts val="0"/>
+              </a:spcAft>
+              <a:buNone/>
+            </a:pPr>
+            <a:r>
+              <a:t/>
+            </a:r>
+            <a:endParaRPr/>
+          </a:p>
+          <a:p>
+            <a:pPr indent="0" lvl="0" marL="0" rtl="0" algn="l">
+              <a:spcBef>
+                <a:spcPts val="1600"/>
+              </a:spcBef>
+              <a:spcAft>
+                <a:spcPts val="1600"/>
+              </a:spcAft>
+              <a:buNone/>
+            </a:pPr>
+            <a:r>
+              <a:t/>
+            </a:r>
+            <a:endParaRPr/>
+          </a:p>
+        </p:txBody>
+      </p:sp>
+    </p:spTree>
+  </p:cSld>
+  <p:clrMapOvr>
+    <a:masterClrMapping/>
+  </p:clrMapOvr>
+</p:sld>
+</file>
+
 <file path=ppt/slides/slide2.xml><?xml version="1.0" encoding="utf-8"?>
 <p:sld xmlns:a="http://schemas.openxmlformats.org/drawingml/2006/main" xmlns:r="http://schemas.openxmlformats.org/officeDocument/2006/relationships" xmlns:mc="http://schemas.openxmlformats.org/markup-compatibility/2006" xmlns:mv="urn:schemas-microsoft-com:mac:vml" xmlns:p="http://schemas.openxmlformats.org/presentationml/2006/main" xmlns:c="http://schemas.openxmlformats.org/drawingml/2006/chart" xmlns:dgm="http://schemas.openxmlformats.org/drawingml/2006/diagram" xmlns:o="urn:schemas-microsoft-com:office:office" xmlns:v="urn:schemas-microsoft-com:vml" xmlns:pvml="urn:schemas-microsoft-com:office:powerpoint" xmlns:com="http://schemas.openxmlformats.org/drawingml/2006/compatibility" xmlns:p14="http://schemas.microsoft.com/office/powerpoint/2010/main" xmlns:p15="http://schemas.microsoft.com/office/powerpoint/2012/main">
   <p:cSld>
@@ -6353,7 +6701,73 @@
             </a:pPr>
             <a:r>
               <a:rPr lang="en"/>
-              <a:t>Z space, Latent Space</a:t>
+              <a:t>Z space, Latent Space, Bottleneck</a:t>
+            </a:r>
+            <a:endParaRPr/>
+          </a:p>
+          <a:p>
+            <a:pPr indent="0" lvl="0" marL="0" rtl="0" algn="l">
+              <a:spcBef>
+                <a:spcPts val="1600"/>
+              </a:spcBef>
+              <a:spcAft>
+                <a:spcPts val="0"/>
+              </a:spcAft>
+              <a:buNone/>
+            </a:pPr>
+            <a:r>
+              <a:t/>
+            </a:r>
+            <a:endParaRPr/>
+          </a:p>
+          <a:p>
+            <a:pPr indent="-342900" lvl="0" marL="457200" rtl="0" algn="l">
+              <a:spcBef>
+                <a:spcPts val="1600"/>
+              </a:spcBef>
+              <a:spcAft>
+                <a:spcPts val="0"/>
+              </a:spcAft>
+              <a:buSzPts val="1800"/>
+              <a:buChar char="-"/>
+            </a:pPr>
+            <a:r>
+              <a:rPr lang="en"/>
+              <a:t>data need not be labeled</a:t>
+            </a:r>
+            <a:endParaRPr/>
+          </a:p>
+          <a:p>
+            <a:pPr indent="-342900" lvl="0" marL="457200" rtl="0" algn="l">
+              <a:spcBef>
+                <a:spcPts val="0"/>
+              </a:spcBef>
+              <a:spcAft>
+                <a:spcPts val="0"/>
+              </a:spcAft>
+              <a:buSzPts val="1800"/>
+              <a:buChar char="-"/>
+            </a:pPr>
+            <a:r>
+              <a:rPr lang="en"/>
+              <a:t>still used internally in complex GANS</a:t>
+            </a:r>
+            <a:endParaRPr/>
+          </a:p>
+          <a:p>
+            <a:pPr indent="-342900" lvl="0" marL="457200" rtl="0" algn="l">
+              <a:spcBef>
+                <a:spcPts val="0"/>
+              </a:spcBef>
+              <a:spcAft>
+                <a:spcPts val="0"/>
+              </a:spcAft>
+              <a:buSzPts val="1800"/>
+              <a:buChar char="-"/>
+            </a:pPr>
+            <a:r>
+              <a:rPr lang="en"/>
+              <a:t>… and other neural networds</a:t>
             </a:r>
             <a:endParaRPr/>
           </a:p>
@@ -6390,7 +6804,7 @@
         </p:blipFill>
         <p:spPr>
           <a:xfrm>
-            <a:off x="4151475" y="1428975"/>
+            <a:off x="4608675" y="1428975"/>
             <a:ext cx="4474076" cy="3097824"/>
           </a:xfrm>
           <a:prstGeom prst="rect">
@@ -6698,7 +7112,7 @@
             </a:pPr>
             <a:r>
               <a:rPr lang="en"/>
-              <a:t>Continuous Z Space</a:t>
+              <a:t>Continuous Z Space, learns distribution</a:t>
             </a:r>
             <a:endParaRPr/>
           </a:p>
@@ -6715,7 +7129,7 @@
             </a:pPr>
             <a:r>
               <a:rPr lang="en"/>
-              <a:t>AE Cost function + KL Divergence</a:t>
+              <a:t>Binary Cross Entropy + KL Divergence</a:t>
             </a:r>
             <a:endParaRPr/>
           </a:p>
@@ -6754,7 +7168,7 @@
             <a:endParaRPr/>
           </a:p>
           <a:p>
-            <a:pPr indent="0" lvl="0" marL="0" rtl="0" algn="l">
+            <a:pPr indent="0" lvl="0" marL="457200" rtl="0" algn="l">
               <a:spcBef>
                 <a:spcPts val="1600"/>
               </a:spcBef>
@@ -6769,34 +7183,18 @@
             <a:endParaRPr/>
           </a:p>
           <a:p>
-            <a:pPr indent="0" lvl="0" marL="0" rtl="0" algn="l">
-              <a:spcBef>
-                <a:spcPts val="1600"/>
-              </a:spcBef>
-              <a:spcAft>
-                <a:spcPts val="0"/>
-              </a:spcAft>
-              <a:buNone/>
-            </a:pPr>
-            <a:r>
-              <a:t/>
-            </a:r>
-            <a:endParaRPr/>
-          </a:p>
-          <a:p>
-            <a:pPr indent="-342900" lvl="0" marL="457200" rtl="0" algn="l">
-              <a:spcBef>
-                <a:spcPts val="1600"/>
-              </a:spcBef>
-              <a:spcAft>
-                <a:spcPts val="0"/>
-              </a:spcAft>
-              <a:buSzPts val="1800"/>
-              <a:buChar char="-"/>
+            <a:pPr indent="0" lvl="0" marL="457200" rtl="0" algn="l">
+              <a:spcBef>
+                <a:spcPts val="1600"/>
+              </a:spcBef>
+              <a:spcAft>
+                <a:spcPts val="0"/>
+              </a:spcAft>
+              <a:buNone/>
             </a:pPr>
             <a:r>
               <a:rPr lang="en"/>
-              <a:t>No clear way to measure how similar</a:t>
+              <a:t>How VanGogh is it? </a:t>
             </a:r>
             <a:endParaRPr/>
           </a:p>
@@ -6812,7 +7210,7 @@
             </a:pPr>
             <a:r>
               <a:rPr lang="en"/>
-              <a:t>How VanGogh is it?</a:t>
+              <a:t>How is this measured?</a:t>
             </a:r>
             <a:endParaRPr/>
           </a:p>
@@ -6834,7 +7232,7 @@
         </p:blipFill>
         <p:spPr>
           <a:xfrm>
-            <a:off x="5008428" y="1740425"/>
+            <a:off x="5008428" y="1969025"/>
             <a:ext cx="3654276" cy="2826901"/>
           </a:xfrm>
           <a:prstGeom prst="rect">
@@ -6862,7 +7260,7 @@
         </p:blipFill>
         <p:spPr>
           <a:xfrm>
-            <a:off x="890988" y="2676675"/>
+            <a:off x="5373213" y="1143100"/>
             <a:ext cx="2962275" cy="742950"/>
           </a:xfrm>
           <a:prstGeom prst="rect">
@@ -7075,7 +7473,7 @@
         </p:nvSpPr>
         <p:spPr>
           <a:xfrm>
-            <a:off x="311700" y="398500"/>
+            <a:off x="311700" y="445025"/>
             <a:ext cx="8520600" cy="572700"/>
           </a:xfrm>
           <a:prstGeom prst="rect">
@@ -7099,7 +7497,7 @@
             </a:pPr>
             <a:r>
               <a:rPr lang="en"/>
-              <a:t>Semi Supervised GAN</a:t>
+              <a:t>Training GANs	</a:t>
             </a:r>
             <a:endParaRPr/>
           </a:p>
@@ -7139,6 +7537,190 @@
             </a:pPr>
             <a:r>
               <a:rPr lang="en"/>
+              <a:t>for each batch:</a:t>
+            </a:r>
+            <a:endParaRPr/>
+          </a:p>
+          <a:p>
+            <a:pPr indent="0" lvl="0" marL="0" rtl="0" algn="l">
+              <a:spcBef>
+                <a:spcPts val="1600"/>
+              </a:spcBef>
+              <a:spcAft>
+                <a:spcPts val="0"/>
+              </a:spcAft>
+              <a:buNone/>
+            </a:pPr>
+            <a:r>
+              <a:rPr lang="en"/>
+              <a:t>	take a random real example, and generated fake and classify them</a:t>
+            </a:r>
+            <a:endParaRPr/>
+          </a:p>
+          <a:p>
+            <a:pPr indent="0" lvl="0" marL="0" rtl="0" algn="l">
+              <a:spcBef>
+                <a:spcPts val="1600"/>
+              </a:spcBef>
+              <a:spcAft>
+                <a:spcPts val="0"/>
+              </a:spcAft>
+              <a:buNone/>
+            </a:pPr>
+            <a:r>
+              <a:rPr lang="en"/>
+              <a:t>	compute error and update Discriminator</a:t>
+            </a:r>
+            <a:endParaRPr/>
+          </a:p>
+          <a:p>
+            <a:pPr indent="0" lvl="0" marL="0" rtl="0" algn="l">
+              <a:spcBef>
+                <a:spcPts val="1600"/>
+              </a:spcBef>
+              <a:spcAft>
+                <a:spcPts val="0"/>
+              </a:spcAft>
+              <a:buNone/>
+            </a:pPr>
+            <a:r>
+              <a:t/>
+            </a:r>
+            <a:endParaRPr/>
+          </a:p>
+          <a:p>
+            <a:pPr indent="0" lvl="0" marL="0" rtl="0" algn="l">
+              <a:spcBef>
+                <a:spcPts val="1600"/>
+              </a:spcBef>
+              <a:spcAft>
+                <a:spcPts val="0"/>
+              </a:spcAft>
+              <a:buNone/>
+            </a:pPr>
+            <a:r>
+              <a:rPr lang="en"/>
+              <a:t>	take random noise and create fake example for Discriminator to classify</a:t>
+            </a:r>
+            <a:endParaRPr/>
+          </a:p>
+          <a:p>
+            <a:pPr indent="0" lvl="0" marL="0" rtl="0" algn="l">
+              <a:spcBef>
+                <a:spcPts val="1600"/>
+              </a:spcBef>
+              <a:spcAft>
+                <a:spcPts val="1600"/>
+              </a:spcAft>
+              <a:buNone/>
+            </a:pPr>
+            <a:r>
+              <a:rPr lang="en"/>
+              <a:t>	compute error and update Generator</a:t>
+            </a:r>
+            <a:endParaRPr/>
+          </a:p>
+        </p:txBody>
+      </p:sp>
+    </p:spTree>
+  </p:cSld>
+  <p:clrMapOvr>
+    <a:masterClrMapping/>
+  </p:clrMapOvr>
+</p:sld>
+</file>
+
+<file path=ppt/slides/slide7.xml><?xml version="1.0" encoding="utf-8"?>
+<p:sld xmlns:a="http://schemas.openxmlformats.org/drawingml/2006/main" xmlns:r="http://schemas.openxmlformats.org/officeDocument/2006/relationships" xmlns:mc="http://schemas.openxmlformats.org/markup-compatibility/2006" xmlns:mv="urn:schemas-microsoft-com:mac:vml" xmlns:p="http://schemas.openxmlformats.org/presentationml/2006/main" xmlns:c="http://schemas.openxmlformats.org/drawingml/2006/chart" xmlns:dgm="http://schemas.openxmlformats.org/drawingml/2006/diagram" xmlns:o="urn:schemas-microsoft-com:office:office" xmlns:v="urn:schemas-microsoft-com:vml" xmlns:pvml="urn:schemas-microsoft-com:office:powerpoint" xmlns:com="http://schemas.openxmlformats.org/drawingml/2006/compatibility" xmlns:p14="http://schemas.microsoft.com/office/powerpoint/2010/main" xmlns:p15="http://schemas.microsoft.com/office/powerpoint/2012/main">
+  <p:cSld>
+    <p:spTree>
+      <p:nvGrpSpPr>
+        <p:cNvPr id="94" name="Shape 94"/>
+        <p:cNvGrpSpPr/>
+        <p:nvPr/>
+      </p:nvGrpSpPr>
+      <p:grpSpPr>
+        <a:xfrm>
+          <a:off x="0" y="0"/>
+          <a:ext cx="0" cy="0"/>
+          <a:chOff x="0" y="0"/>
+          <a:chExt cx="0" cy="0"/>
+        </a:xfrm>
+      </p:grpSpPr>
+      <p:sp>
+        <p:nvSpPr>
+          <p:cNvPr id="95" name="Google Shape;95;p19"/>
+          <p:cNvSpPr txBox="1"/>
+          <p:nvPr>
+            <p:ph type="title"/>
+          </p:nvPr>
+        </p:nvSpPr>
+        <p:spPr>
+          <a:xfrm>
+            <a:off x="311700" y="398500"/>
+            <a:ext cx="8520600" cy="572700"/>
+          </a:xfrm>
+          <a:prstGeom prst="rect">
+            <a:avLst/>
+          </a:prstGeom>
+        </p:spPr>
+        <p:txBody>
+          <a:bodyPr anchorCtr="0" anchor="t" bIns="91425" lIns="91425" spcFirstLastPara="1" rIns="91425" wrap="square" tIns="91425">
+            <a:noAutofit/>
+          </a:bodyPr>
+          <a:lstStyle/>
+          <a:p>
+            <a:pPr indent="0" lvl="0" marL="0" rtl="0" algn="l">
+              <a:spcBef>
+                <a:spcPts val="0"/>
+              </a:spcBef>
+              <a:spcAft>
+                <a:spcPts val="0"/>
+              </a:spcAft>
+              <a:buNone/>
+            </a:pPr>
+            <a:r>
+              <a:rPr lang="en"/>
+              <a:t>Semi Supervised GAN</a:t>
+            </a:r>
+            <a:endParaRPr/>
+          </a:p>
+        </p:txBody>
+      </p:sp>
+      <p:sp>
+        <p:nvSpPr>
+          <p:cNvPr id="96" name="Google Shape;96;p19"/>
+          <p:cNvSpPr txBox="1"/>
+          <p:nvPr>
+            <p:ph idx="1" type="body"/>
+          </p:nvPr>
+        </p:nvSpPr>
+        <p:spPr>
+          <a:xfrm>
+            <a:off x="311700" y="1152475"/>
+            <a:ext cx="8520600" cy="3416400"/>
+          </a:xfrm>
+          <a:prstGeom prst="rect">
+            <a:avLst/>
+          </a:prstGeom>
+        </p:spPr>
+        <p:txBody>
+          <a:bodyPr anchorCtr="0" anchor="t" bIns="91425" lIns="91425" spcFirstLastPara="1" rIns="91425" wrap="square" tIns="91425">
+            <a:noAutofit/>
+          </a:bodyPr>
+          <a:lstStyle/>
+          <a:p>
+            <a:pPr indent="0" lvl="0" marL="0" rtl="0" algn="l">
+              <a:spcBef>
+                <a:spcPts val="0"/>
+              </a:spcBef>
+              <a:spcAft>
+                <a:spcPts val="0"/>
+              </a:spcAft>
+              <a:buNone/>
+            </a:pPr>
+            <a:r>
+              <a:rPr lang="en"/>
               <a:t>Can be used with partially labeled data ( Kannada/MNIST ) </a:t>
             </a:r>
             <a:endParaRPr/>
@@ -7223,7 +7805,7 @@
       </p:sp>
       <p:pic>
         <p:nvPicPr>
-          <p:cNvPr id="91" name="Google Shape;91;p18"/>
+          <p:cNvPr id="97" name="Google Shape;97;p19"/>
           <p:cNvPicPr preferRelativeResize="0"/>
           <p:nvPr/>
         </p:nvPicPr>
@@ -7249,270 +7831,6 @@
           </a:ln>
         </p:spPr>
       </p:pic>
-    </p:spTree>
-  </p:cSld>
-  <p:clrMapOvr>
-    <a:masterClrMapping/>
-  </p:clrMapOvr>
-</p:sld>
-</file>
-
-<file path=ppt/slides/slide7.xml><?xml version="1.0" encoding="utf-8"?>
-<p:sld xmlns:a="http://schemas.openxmlformats.org/drawingml/2006/main" xmlns:r="http://schemas.openxmlformats.org/officeDocument/2006/relationships" xmlns:mc="http://schemas.openxmlformats.org/markup-compatibility/2006" xmlns:mv="urn:schemas-microsoft-com:mac:vml" xmlns:p="http://schemas.openxmlformats.org/presentationml/2006/main" xmlns:c="http://schemas.openxmlformats.org/drawingml/2006/chart" xmlns:dgm="http://schemas.openxmlformats.org/drawingml/2006/diagram" xmlns:o="urn:schemas-microsoft-com:office:office" xmlns:v="urn:schemas-microsoft-com:vml" xmlns:pvml="urn:schemas-microsoft-com:office:powerpoint" xmlns:com="http://schemas.openxmlformats.org/drawingml/2006/compatibility" xmlns:p14="http://schemas.microsoft.com/office/powerpoint/2010/main" xmlns:p15="http://schemas.microsoft.com/office/powerpoint/2012/main">
-  <p:cSld>
-    <p:spTree>
-      <p:nvGrpSpPr>
-        <p:cNvPr id="95" name="Shape 95"/>
-        <p:cNvGrpSpPr/>
-        <p:nvPr/>
-      </p:nvGrpSpPr>
-      <p:grpSpPr>
-        <a:xfrm>
-          <a:off x="0" y="0"/>
-          <a:ext cx="0" cy="0"/>
-          <a:chOff x="0" y="0"/>
-          <a:chExt cx="0" cy="0"/>
-        </a:xfrm>
-      </p:grpSpPr>
-      <p:sp>
-        <p:nvSpPr>
-          <p:cNvPr id="96" name="Google Shape;96;p19"/>
-          <p:cNvSpPr txBox="1"/>
-          <p:nvPr>
-            <p:ph type="title"/>
-          </p:nvPr>
-        </p:nvSpPr>
-        <p:spPr>
-          <a:xfrm>
-            <a:off x="311700" y="445025"/>
-            <a:ext cx="8520600" cy="572700"/>
-          </a:xfrm>
-          <a:prstGeom prst="rect">
-            <a:avLst/>
-          </a:prstGeom>
-        </p:spPr>
-        <p:txBody>
-          <a:bodyPr anchorCtr="0" anchor="t" bIns="91425" lIns="91425" spcFirstLastPara="1" rIns="91425" wrap="square" tIns="91425">
-            <a:noAutofit/>
-          </a:bodyPr>
-          <a:lstStyle/>
-          <a:p>
-            <a:pPr indent="0" lvl="0" marL="0" rtl="0" algn="l">
-              <a:spcBef>
-                <a:spcPts val="0"/>
-              </a:spcBef>
-              <a:spcAft>
-                <a:spcPts val="0"/>
-              </a:spcAft>
-              <a:buNone/>
-            </a:pPr>
-            <a:r>
-              <a:rPr lang="en"/>
-              <a:t>Code</a:t>
-            </a:r>
-            <a:endParaRPr/>
-          </a:p>
-          <a:p>
-            <a:pPr indent="0" lvl="0" marL="0" rtl="0" algn="l">
-              <a:spcBef>
-                <a:spcPts val="0"/>
-              </a:spcBef>
-              <a:spcAft>
-                <a:spcPts val="0"/>
-              </a:spcAft>
-              <a:buNone/>
-            </a:pPr>
-            <a:r>
-              <a:t/>
-            </a:r>
-            <a:endParaRPr/>
-          </a:p>
-        </p:txBody>
-      </p:sp>
-      <p:sp>
-        <p:nvSpPr>
-          <p:cNvPr id="97" name="Google Shape;97;p19"/>
-          <p:cNvSpPr txBox="1"/>
-          <p:nvPr>
-            <p:ph idx="1" type="body"/>
-          </p:nvPr>
-        </p:nvSpPr>
-        <p:spPr>
-          <a:xfrm>
-            <a:off x="311700" y="1161650"/>
-            <a:ext cx="8520600" cy="3416400"/>
-          </a:xfrm>
-          <a:prstGeom prst="rect">
-            <a:avLst/>
-          </a:prstGeom>
-        </p:spPr>
-        <p:txBody>
-          <a:bodyPr anchorCtr="0" anchor="t" bIns="91425" lIns="91425" spcFirstLastPara="1" rIns="91425" wrap="square" tIns="91425">
-            <a:noAutofit/>
-          </a:bodyPr>
-          <a:lstStyle/>
-          <a:p>
-            <a:pPr indent="-342900" lvl="0" marL="457200" rtl="0" algn="l">
-              <a:spcBef>
-                <a:spcPts val="0"/>
-              </a:spcBef>
-              <a:spcAft>
-                <a:spcPts val="0"/>
-              </a:spcAft>
-              <a:buSzPts val="1800"/>
-              <a:buChar char="-"/>
-            </a:pPr>
-            <a:r>
-              <a:rPr lang="en"/>
-              <a:t>RL GANs    —- World Models  </a:t>
-            </a:r>
-            <a:r>
-              <a:rPr lang="en" u="sng">
-                <a:solidFill>
-                  <a:schemeClr val="hlink"/>
-                </a:solidFill>
-                <a:hlinkClick r:id="rId3"/>
-              </a:rPr>
-              <a:t>https://worldmodels.github.io/</a:t>
-            </a:r>
-            <a:r>
-              <a:rPr lang="en"/>
-              <a:t> </a:t>
-            </a:r>
-            <a:endParaRPr/>
-          </a:p>
-          <a:p>
-            <a:pPr indent="-342900" lvl="0" marL="457200" rtl="0" algn="l">
-              <a:spcBef>
-                <a:spcPts val="0"/>
-              </a:spcBef>
-              <a:spcAft>
-                <a:spcPts val="0"/>
-              </a:spcAft>
-              <a:buSzPts val="1800"/>
-              <a:buChar char="-"/>
-            </a:pPr>
-            <a:r>
-              <a:rPr lang="en"/>
-              <a:t>Really Awesome GAN resources </a:t>
-            </a:r>
-            <a:r>
-              <a:rPr lang="en" u="sng">
-                <a:solidFill>
-                  <a:schemeClr val="hlink"/>
-                </a:solidFill>
-                <a:hlinkClick r:id="rId4"/>
-              </a:rPr>
-              <a:t>https://github.com/nightrome/really-awesome-gan</a:t>
-            </a:r>
-            <a:endParaRPr/>
-          </a:p>
-          <a:p>
-            <a:pPr indent="-342900" lvl="0" marL="457200" rtl="0" algn="l">
-              <a:spcBef>
-                <a:spcPts val="0"/>
-              </a:spcBef>
-              <a:spcAft>
-                <a:spcPts val="0"/>
-              </a:spcAft>
-              <a:buSzPts val="1800"/>
-              <a:buChar char="-"/>
-            </a:pPr>
-            <a:r>
-              <a:rPr lang="en"/>
-              <a:t>Keras GANs </a:t>
-            </a:r>
-            <a:r>
-              <a:rPr lang="en" u="sng">
-                <a:solidFill>
-                  <a:schemeClr val="hlink"/>
-                </a:solidFill>
-                <a:hlinkClick r:id="rId5"/>
-              </a:rPr>
-              <a:t>https://github.com/eriklindernoren/Keras-GAN</a:t>
-            </a:r>
-            <a:endParaRPr/>
-          </a:p>
-          <a:p>
-            <a:pPr indent="-342900" lvl="0" marL="457200" rtl="0" algn="l">
-              <a:spcBef>
-                <a:spcPts val="0"/>
-              </a:spcBef>
-              <a:spcAft>
-                <a:spcPts val="0"/>
-              </a:spcAft>
-              <a:buSzPts val="1800"/>
-              <a:buChar char="-"/>
-            </a:pPr>
-            <a:r>
-              <a:rPr lang="en"/>
-              <a:t>Numpy GAN </a:t>
-            </a:r>
-            <a:r>
-              <a:rPr lang="en" u="sng">
-                <a:solidFill>
-                  <a:schemeClr val="hlink"/>
-                </a:solidFill>
-                <a:hlinkClick r:id="rId6"/>
-              </a:rPr>
-              <a:t>https://github.com/shinseung428/gan_numpy</a:t>
-            </a:r>
-            <a:endParaRPr/>
-          </a:p>
-          <a:p>
-            <a:pPr indent="0" lvl="0" marL="457200" rtl="0" algn="l">
-              <a:spcBef>
-                <a:spcPts val="1600"/>
-              </a:spcBef>
-              <a:spcAft>
-                <a:spcPts val="0"/>
-              </a:spcAft>
-              <a:buNone/>
-            </a:pPr>
-            <a:r>
-              <a:t/>
-            </a:r>
-            <a:endParaRPr/>
-          </a:p>
-          <a:p>
-            <a:pPr indent="0" lvl="0" marL="457200" rtl="0" algn="l">
-              <a:spcBef>
-                <a:spcPts val="1600"/>
-              </a:spcBef>
-              <a:spcAft>
-                <a:spcPts val="0"/>
-              </a:spcAft>
-              <a:buNone/>
-            </a:pPr>
-            <a:r>
-              <a:rPr lang="en"/>
-              <a:t>Kannada code</a:t>
-            </a:r>
-            <a:endParaRPr/>
-          </a:p>
-          <a:p>
-            <a:pPr indent="0" lvl="0" marL="457200" rtl="0" algn="l">
-              <a:spcBef>
-                <a:spcPts val="1600"/>
-              </a:spcBef>
-              <a:spcAft>
-                <a:spcPts val="1600"/>
-              </a:spcAft>
-              <a:buNone/>
-            </a:pPr>
-            <a:r>
-              <a:rPr lang="en" sz="1400" u="sng">
-                <a:solidFill>
-                  <a:schemeClr val="hlink"/>
-                </a:solidFill>
-                <a:hlinkClick r:id="rId7"/>
-              </a:rPr>
-              <a:t>https://github.com/timestocome/Kaggle/tree/master/SemiSupervised%20GAN%20Kannada%20MNIST</a:t>
-            </a:r>
-            <a:endParaRPr sz="1400"/>
-          </a:p>
-        </p:txBody>
-      </p:sp>
     </p:spTree>
   </p:cSld>
   <p:clrMapOvr>
@@ -7572,6 +7890,296 @@
             </a:pPr>
             <a:r>
               <a:rPr lang="en"/>
+              <a:t>Code</a:t>
+            </a:r>
+            <a:endParaRPr/>
+          </a:p>
+          <a:p>
+            <a:pPr indent="0" lvl="0" marL="0" rtl="0" algn="l">
+              <a:spcBef>
+                <a:spcPts val="0"/>
+              </a:spcBef>
+              <a:spcAft>
+                <a:spcPts val="0"/>
+              </a:spcAft>
+              <a:buNone/>
+            </a:pPr>
+            <a:r>
+              <a:t/>
+            </a:r>
+            <a:endParaRPr/>
+          </a:p>
+        </p:txBody>
+      </p:sp>
+      <p:sp>
+        <p:nvSpPr>
+          <p:cNvPr id="103" name="Google Shape;103;p20"/>
+          <p:cNvSpPr txBox="1"/>
+          <p:nvPr>
+            <p:ph idx="1" type="body"/>
+          </p:nvPr>
+        </p:nvSpPr>
+        <p:spPr>
+          <a:xfrm>
+            <a:off x="311700" y="1161650"/>
+            <a:ext cx="8520600" cy="3416400"/>
+          </a:xfrm>
+          <a:prstGeom prst="rect">
+            <a:avLst/>
+          </a:prstGeom>
+        </p:spPr>
+        <p:txBody>
+          <a:bodyPr anchorCtr="0" anchor="t" bIns="91425" lIns="91425" spcFirstLastPara="1" rIns="91425" wrap="square" tIns="91425">
+            <a:noAutofit/>
+          </a:bodyPr>
+          <a:lstStyle/>
+          <a:p>
+            <a:pPr indent="0" lvl="0" marL="457200" rtl="0" algn="l">
+              <a:spcBef>
+                <a:spcPts val="0"/>
+              </a:spcBef>
+              <a:spcAft>
+                <a:spcPts val="0"/>
+              </a:spcAft>
+              <a:buNone/>
+            </a:pPr>
+            <a:r>
+              <a:rPr lang="en"/>
+              <a:t>Semi Supervised GAN </a:t>
+            </a:r>
+            <a:r>
+              <a:rPr lang="en"/>
+              <a:t>Kannada code</a:t>
+            </a:r>
+            <a:r>
+              <a:rPr lang="en" sz="1700"/>
+              <a:t> </a:t>
+            </a:r>
+            <a:r>
+              <a:rPr lang="en" sz="1700" u="sng">
+                <a:solidFill>
+                  <a:schemeClr val="accent5"/>
+                </a:solidFill>
+                <a:hlinkClick r:id="rId3"/>
+              </a:rPr>
+              <a:t>https://github.com/timestocome/DeepLearning-Talks/tree/master/GAN%20Talk</a:t>
+            </a:r>
+            <a:endParaRPr sz="1700"/>
+          </a:p>
+          <a:p>
+            <a:pPr indent="0" lvl="0" marL="0" rtl="0" algn="l">
+              <a:spcBef>
+                <a:spcPts val="1600"/>
+              </a:spcBef>
+              <a:spcAft>
+                <a:spcPts val="0"/>
+              </a:spcAft>
+              <a:buNone/>
+            </a:pPr>
+            <a:r>
+              <a:t/>
+            </a:r>
+            <a:endParaRPr/>
+          </a:p>
+          <a:p>
+            <a:pPr indent="-342900" lvl="0" marL="457200" rtl="0" algn="l">
+              <a:spcBef>
+                <a:spcPts val="1600"/>
+              </a:spcBef>
+              <a:spcAft>
+                <a:spcPts val="0"/>
+              </a:spcAft>
+              <a:buSzPts val="1800"/>
+              <a:buChar char="-"/>
+            </a:pPr>
+            <a:r>
+              <a:rPr lang="en"/>
+              <a:t>RL GANs    —- World Models  </a:t>
+            </a:r>
+            <a:r>
+              <a:rPr lang="en" u="sng">
+                <a:solidFill>
+                  <a:schemeClr val="hlink"/>
+                </a:solidFill>
+                <a:hlinkClick r:id="rId4"/>
+              </a:rPr>
+              <a:t>https://worldmodels.github.io/</a:t>
+            </a:r>
+            <a:r>
+              <a:rPr lang="en"/>
+              <a:t> </a:t>
+            </a:r>
+            <a:endParaRPr/>
+          </a:p>
+          <a:p>
+            <a:pPr indent="-342900" lvl="0" marL="457200" rtl="0" algn="l">
+              <a:spcBef>
+                <a:spcPts val="0"/>
+              </a:spcBef>
+              <a:spcAft>
+                <a:spcPts val="0"/>
+              </a:spcAft>
+              <a:buSzPts val="1800"/>
+              <a:buChar char="-"/>
+            </a:pPr>
+            <a:r>
+              <a:rPr lang="en"/>
+              <a:t>Really Awesome GAN resources </a:t>
+            </a:r>
+            <a:r>
+              <a:rPr lang="en" u="sng">
+                <a:solidFill>
+                  <a:schemeClr val="hlink"/>
+                </a:solidFill>
+                <a:hlinkClick r:id="rId5"/>
+              </a:rPr>
+              <a:t>https://github.com/nightrome/really-awesome-gan</a:t>
+            </a:r>
+            <a:endParaRPr/>
+          </a:p>
+          <a:p>
+            <a:pPr indent="-342900" lvl="0" marL="457200" rtl="0" algn="l">
+              <a:spcBef>
+                <a:spcPts val="0"/>
+              </a:spcBef>
+              <a:spcAft>
+                <a:spcPts val="0"/>
+              </a:spcAft>
+              <a:buSzPts val="1800"/>
+              <a:buChar char="-"/>
+            </a:pPr>
+            <a:r>
+              <a:rPr lang="en"/>
+              <a:t>Keras GANs </a:t>
+            </a:r>
+            <a:r>
+              <a:rPr lang="en" u="sng">
+                <a:solidFill>
+                  <a:schemeClr val="hlink"/>
+                </a:solidFill>
+                <a:hlinkClick r:id="rId6"/>
+              </a:rPr>
+              <a:t>https://github.com/eriklindernoren/Keras-GAN</a:t>
+            </a:r>
+            <a:endParaRPr/>
+          </a:p>
+          <a:p>
+            <a:pPr indent="-342900" lvl="0" marL="457200" rtl="0" algn="l">
+              <a:spcBef>
+                <a:spcPts val="0"/>
+              </a:spcBef>
+              <a:spcAft>
+                <a:spcPts val="0"/>
+              </a:spcAft>
+              <a:buSzPts val="1800"/>
+              <a:buChar char="-"/>
+            </a:pPr>
+            <a:r>
+              <a:rPr lang="en"/>
+              <a:t>Numpy GAN </a:t>
+            </a:r>
+            <a:r>
+              <a:rPr lang="en" u="sng">
+                <a:solidFill>
+                  <a:schemeClr val="hlink"/>
+                </a:solidFill>
+                <a:hlinkClick r:id="rId7"/>
+              </a:rPr>
+              <a:t>https://github.com/shinseung428/gan_numpy</a:t>
+            </a:r>
+            <a:endParaRPr/>
+          </a:p>
+          <a:p>
+            <a:pPr indent="0" lvl="0" marL="457200" rtl="0" algn="l">
+              <a:spcBef>
+                <a:spcPts val="1600"/>
+              </a:spcBef>
+              <a:spcAft>
+                <a:spcPts val="0"/>
+              </a:spcAft>
+              <a:buNone/>
+            </a:pPr>
+            <a:r>
+              <a:t/>
+            </a:r>
+            <a:endParaRPr/>
+          </a:p>
+          <a:p>
+            <a:pPr indent="0" lvl="0" marL="457200" rtl="0" algn="l">
+              <a:spcBef>
+                <a:spcPts val="1600"/>
+              </a:spcBef>
+              <a:spcAft>
+                <a:spcPts val="1600"/>
+              </a:spcAft>
+              <a:buNone/>
+            </a:pPr>
+            <a:r>
+              <a:t/>
+            </a:r>
+            <a:endParaRPr sz="1400"/>
+          </a:p>
+        </p:txBody>
+      </p:sp>
+    </p:spTree>
+  </p:cSld>
+  <p:clrMapOvr>
+    <a:masterClrMapping/>
+  </p:clrMapOvr>
+</p:sld>
+</file>
+
+<file path=ppt/slides/slide9.xml><?xml version="1.0" encoding="utf-8"?>
+<p:sld xmlns:a="http://schemas.openxmlformats.org/drawingml/2006/main" xmlns:r="http://schemas.openxmlformats.org/officeDocument/2006/relationships" xmlns:mc="http://schemas.openxmlformats.org/markup-compatibility/2006" xmlns:mv="urn:schemas-microsoft-com:mac:vml" xmlns:p="http://schemas.openxmlformats.org/presentationml/2006/main" xmlns:c="http://schemas.openxmlformats.org/drawingml/2006/chart" xmlns:dgm="http://schemas.openxmlformats.org/drawingml/2006/diagram" xmlns:o="urn:schemas-microsoft-com:office:office" xmlns:v="urn:schemas-microsoft-com:vml" xmlns:pvml="urn:schemas-microsoft-com:office:powerpoint" xmlns:com="http://schemas.openxmlformats.org/drawingml/2006/compatibility" xmlns:p14="http://schemas.microsoft.com/office/powerpoint/2010/main" xmlns:p15="http://schemas.microsoft.com/office/powerpoint/2012/main">
+  <p:cSld>
+    <p:spTree>
+      <p:nvGrpSpPr>
+        <p:cNvPr id="107" name="Shape 107"/>
+        <p:cNvGrpSpPr/>
+        <p:nvPr/>
+      </p:nvGrpSpPr>
+      <p:grpSpPr>
+        <a:xfrm>
+          <a:off x="0" y="0"/>
+          <a:ext cx="0" cy="0"/>
+          <a:chOff x="0" y="0"/>
+          <a:chExt cx="0" cy="0"/>
+        </a:xfrm>
+      </p:grpSpPr>
+      <p:sp>
+        <p:nvSpPr>
+          <p:cNvPr id="108" name="Google Shape;108;p21"/>
+          <p:cNvSpPr txBox="1"/>
+          <p:nvPr>
+            <p:ph type="title"/>
+          </p:nvPr>
+        </p:nvSpPr>
+        <p:spPr>
+          <a:xfrm>
+            <a:off x="311700" y="445025"/>
+            <a:ext cx="8520600" cy="572700"/>
+          </a:xfrm>
+          <a:prstGeom prst="rect">
+            <a:avLst/>
+          </a:prstGeom>
+        </p:spPr>
+        <p:txBody>
+          <a:bodyPr anchorCtr="0" anchor="t" bIns="91425" lIns="91425" spcFirstLastPara="1" rIns="91425" wrap="square" tIns="91425">
+            <a:noAutofit/>
+          </a:bodyPr>
+          <a:lstStyle/>
+          <a:p>
+            <a:pPr indent="0" lvl="0" marL="0" rtl="0" algn="l">
+              <a:spcBef>
+                <a:spcPts val="0"/>
+              </a:spcBef>
+              <a:spcAft>
+                <a:spcPts val="0"/>
+              </a:spcAft>
+              <a:buNone/>
+            </a:pPr>
+            <a:r>
+              <a:rPr lang="en"/>
               <a:t>Resources</a:t>
             </a:r>
             <a:endParaRPr/>
@@ -7580,7 +8188,7 @@
       </p:sp>
       <p:sp>
         <p:nvSpPr>
-          <p:cNvPr id="103" name="Google Shape;103;p20"/>
+          <p:cNvPr id="109" name="Google Shape;109;p21"/>
           <p:cNvSpPr txBox="1"/>
           <p:nvPr>
             <p:ph idx="1" type="body"/>
@@ -7634,15 +8242,14 @@
             <a:endParaRPr/>
           </a:p>
           <a:p>
-            <a:pPr indent="-342900" lvl="0" marL="457200" rtl="0" algn="l">
-              <a:spcBef>
-                <a:spcPts val="0"/>
-              </a:spcBef>
-              <a:spcAft>
-                <a:spcPts val="0"/>
-              </a:spcAft>
-              <a:buSzPts val="1800"/>
-              <a:buChar char="-"/>
+            <a:pPr indent="0" lvl="0" marL="457200" rtl="0" algn="l">
+              <a:spcBef>
+                <a:spcPts val="1600"/>
+              </a:spcBef>
+              <a:spcAft>
+                <a:spcPts val="0"/>
+              </a:spcAft>
+              <a:buNone/>
             </a:pPr>
             <a:r>
               <a:rPr lang="en" u="sng">
@@ -7762,6 +8369,285 @@
 </file>
 
 <file path=ppt/theme/theme1.xml><?xml version="1.0" encoding="utf-8"?>
+<a:theme xmlns:a="http://schemas.openxmlformats.org/drawingml/2006/main" xmlns:r="http://schemas.openxmlformats.org/officeDocument/2006/relationships" name="Simple Light">
+  <a:themeElements>
+    <a:clrScheme name="Simple Light">
+      <a:dk1>
+        <a:srgbClr val="000000"/>
+      </a:dk1>
+      <a:lt1>
+        <a:srgbClr val="FFFFFF"/>
+      </a:lt1>
+      <a:dk2>
+        <a:srgbClr val="595959"/>
+      </a:dk2>
+      <a:lt2>
+        <a:srgbClr val="EEEEEE"/>
+      </a:lt2>
+      <a:accent1>
+        <a:srgbClr val="FFAB40"/>
+      </a:accent1>
+      <a:accent2>
+        <a:srgbClr val="212121"/>
+      </a:accent2>
+      <a:accent3>
+        <a:srgbClr val="78909C"/>
+      </a:accent3>
+      <a:accent4>
+        <a:srgbClr val="FFAB40"/>
+      </a:accent4>
+      <a:accent5>
+        <a:srgbClr val="0097A7"/>
+      </a:accent5>
+      <a:accent6>
+        <a:srgbClr val="EEFF41"/>
+      </a:accent6>
+      <a:hlink>
+        <a:srgbClr val="0097A7"/>
+      </a:hlink>
+      <a:folHlink>
+        <a:srgbClr val="0097A7"/>
+      </a:folHlink>
+    </a:clrScheme>
+    <a:fontScheme name="Office">
+      <a:majorFont>
+        <a:latin typeface="Arial"/>
+        <a:ea typeface=""/>
+        <a:cs typeface=""/>
+        <a:font script="Jpan" typeface="ＭＳ Ｐゴシック"/>
+        <a:font script="Hang" typeface="맑은 고딕"/>
+        <a:font script="Hans" typeface="宋体"/>
+        <a:font script="Hant" typeface="新細明體"/>
+        <a:font script="Arab" typeface="Times New Roman"/>
+        <a:font script="Hebr" typeface="Times New Roman"/>
+        <a:font script="Thai" typeface="Angsana New"/>
+        <a:font script="Ethi" typeface="Nyala"/>
+        <a:font script="Beng" typeface="Vrinda"/>
+        <a:font script="Gujr" typeface="Shruti"/>
+        <a:font script="Khmr" typeface="MoolBoran"/>
+        <a:font script="Knda" typeface="Tunga"/>
+        <a:font script="Guru" typeface="Raavi"/>
+        <a:font script="Cans" typeface="Euphemia"/>
+        <a:font script="Cher" typeface="Plantagenet Cherokee"/>
+        <a:font script="Yiii" typeface="Microsoft Yi Baiti"/>
+        <a:font script="Tibt" typeface="Microsoft Himalaya"/>
+        <a:font script="Thaa" typeface="MV Boli"/>
+        <a:font script="Deva" typeface="Mangal"/>
+        <a:font script="Telu" typeface="Gautami"/>
+        <a:font script="Taml" typeface="Latha"/>
+        <a:font script="Syrc" typeface="Estrangelo Edessa"/>
+        <a:font script="Orya" typeface="Kalinga"/>
+        <a:font script="Mlym" typeface="Kartika"/>
+        <a:font script="Laoo" typeface="DokChampa"/>
+        <a:font script="Sinh" typeface="Iskoola Pota"/>
+        <a:font script="Mong" typeface="Mongolian Baiti"/>
+        <a:font script="Viet" typeface="Times New Roman"/>
+        <a:font script="Uigh" typeface="Microsoft Uighur"/>
+        <a:font script="Geor" typeface="Sylfaen"/>
+      </a:majorFont>
+      <a:minorFont>
+        <a:latin typeface="Arial"/>
+        <a:ea typeface=""/>
+        <a:cs typeface=""/>
+        <a:font script="Jpan" typeface="ＭＳ Ｐゴシック"/>
+        <a:font script="Hang" typeface="맑은 고딕"/>
+        <a:font script="Hans" typeface="宋体"/>
+        <a:font script="Hant" typeface="新細明體"/>
+        <a:font script="Arab" typeface="Arial"/>
+        <a:font script="Hebr" typeface="Arial"/>
+        <a:font script="Thai" typeface="Cordia New"/>
+        <a:font script="Ethi" typeface="Nyala"/>
+        <a:font script="Beng" typeface="Vrinda"/>
+        <a:font script="Gujr" typeface="Shruti"/>
+        <a:font script="Khmr" typeface="DaunPenh"/>
+        <a:font script="Knda" typeface="Tunga"/>
+        <a:font script="Guru" typeface="Raavi"/>
+        <a:font script="Cans" typeface="Euphemia"/>
+        <a:font script="Cher" typeface="Plantagenet Cherokee"/>
+        <a:font script="Yiii" typeface="Microsoft Yi Baiti"/>
+        <a:font script="Tibt" typeface="Microsoft Himalaya"/>
+        <a:font script="Thaa" typeface="MV Boli"/>
+        <a:font script="Deva" typeface="Mangal"/>
+        <a:font script="Telu" typeface="Gautami"/>
+        <a:font script="Taml" typeface="Latha"/>
+        <a:font script="Syrc" typeface="Estrangelo Edessa"/>
+        <a:font script="Orya" typeface="Kalinga"/>
+        <a:font script="Mlym" typeface="Kartika"/>
+        <a:font script="Laoo" typeface="DokChampa"/>
+        <a:font script="Sinh" typeface="Iskoola Pota"/>
+        <a:font script="Mong" typeface="Mongolian Baiti"/>
+        <a:font script="Viet" typeface="Arial"/>
+        <a:font script="Uigh" typeface="Microsoft Uighur"/>
+        <a:font script="Geor" typeface="Sylfaen"/>
+      </a:minorFont>
+    </a:fontScheme>
+    <a:fmtScheme name="Office">
+      <a:fillStyleLst>
+        <a:solidFill>
+          <a:schemeClr val="phClr"/>
+        </a:solidFill>
+        <a:gradFill rotWithShape="1">
+          <a:gsLst>
+            <a:gs pos="0">
+              <a:schemeClr val="phClr">
+                <a:tint val="50000"/>
+                <a:satMod val="300000"/>
+              </a:schemeClr>
+            </a:gs>
+            <a:gs pos="35000">
+              <a:schemeClr val="phClr">
+                <a:tint val="37000"/>
+                <a:satMod val="300000"/>
+              </a:schemeClr>
+            </a:gs>
+            <a:gs pos="100000">
+              <a:schemeClr val="phClr">
+                <a:tint val="15000"/>
+                <a:satMod val="350000"/>
+              </a:schemeClr>
+            </a:gs>
+          </a:gsLst>
+          <a:lin ang="16200000" scaled="1"/>
+        </a:gradFill>
+        <a:gradFill rotWithShape="1">
+          <a:gsLst>
+            <a:gs pos="0">
+              <a:schemeClr val="phClr">
+                <a:tint val="100000"/>
+                <a:shade val="100000"/>
+                <a:satMod val="130000"/>
+              </a:schemeClr>
+            </a:gs>
+            <a:gs pos="100000">
+              <a:schemeClr val="phClr">
+                <a:tint val="50000"/>
+                <a:shade val="100000"/>
+                <a:satMod val="350000"/>
+              </a:schemeClr>
+            </a:gs>
+          </a:gsLst>
+          <a:lin ang="16200000" scaled="0"/>
+        </a:gradFill>
+      </a:fillStyleLst>
+      <a:lnStyleLst>
+        <a:ln w="9525" cap="flat" cmpd="sng" algn="ctr">
+          <a:solidFill>
+            <a:schemeClr val="phClr">
+              <a:shade val="95000"/>
+              <a:satMod val="105000"/>
+            </a:schemeClr>
+          </a:solidFill>
+          <a:prstDash val="solid"/>
+        </a:ln>
+        <a:ln w="25400" cap="flat" cmpd="sng" algn="ctr">
+          <a:solidFill>
+            <a:schemeClr val="phClr"/>
+          </a:solidFill>
+          <a:prstDash val="solid"/>
+        </a:ln>
+        <a:ln w="38100" cap="flat" cmpd="sng" algn="ctr">
+          <a:solidFill>
+            <a:schemeClr val="phClr"/>
+          </a:solidFill>
+          <a:prstDash val="solid"/>
+        </a:ln>
+      </a:lnStyleLst>
+      <a:effectStyleLst>
+        <a:effectStyle>
+          <a:effectLst>
+            <a:outerShdw blurRad="40000" dist="20000" dir="5400000" rotWithShape="0">
+              <a:srgbClr val="000000">
+                <a:alpha val="38000"/>
+              </a:srgbClr>
+            </a:outerShdw>
+          </a:effectLst>
+        </a:effectStyle>
+        <a:effectStyle>
+          <a:effectLst>
+            <a:outerShdw blurRad="40000" dist="23000" dir="5400000" rotWithShape="0">
+              <a:srgbClr val="000000">
+                <a:alpha val="35000"/>
+              </a:srgbClr>
+            </a:outerShdw>
+          </a:effectLst>
+        </a:effectStyle>
+        <a:effectStyle>
+          <a:effectLst>
+            <a:outerShdw blurRad="40000" dist="23000" dir="5400000" rotWithShape="0">
+              <a:srgbClr val="000000">
+                <a:alpha val="35000"/>
+              </a:srgbClr>
+            </a:outerShdw>
+          </a:effectLst>
+          <a:scene3d>
+            <a:camera prst="orthographicFront">
+              <a:rot lat="0" lon="0" rev="0"/>
+            </a:camera>
+            <a:lightRig rig="threePt" dir="t">
+              <a:rot lat="0" lon="0" rev="1200000"/>
+            </a:lightRig>
+          </a:scene3d>
+          <a:sp3d>
+            <a:bevelT w="63500" h="25400"/>
+          </a:sp3d>
+        </a:effectStyle>
+      </a:effectStyleLst>
+      <a:bgFillStyleLst>
+        <a:solidFill>
+          <a:schemeClr val="phClr"/>
+        </a:solidFill>
+        <a:gradFill rotWithShape="1">
+          <a:gsLst>
+            <a:gs pos="0">
+              <a:schemeClr val="phClr">
+                <a:tint val="40000"/>
+                <a:satMod val="350000"/>
+              </a:schemeClr>
+            </a:gs>
+            <a:gs pos="40000">
+              <a:schemeClr val="phClr">
+                <a:tint val="45000"/>
+                <a:shade val="99000"/>
+                <a:satMod val="350000"/>
+              </a:schemeClr>
+            </a:gs>
+            <a:gs pos="100000">
+              <a:schemeClr val="phClr">
+                <a:shade val="20000"/>
+                <a:satMod val="255000"/>
+              </a:schemeClr>
+            </a:gs>
+          </a:gsLst>
+          <a:path path="circle">
+            <a:fillToRect l="50000" t="-80000" r="50000" b="180000"/>
+          </a:path>
+        </a:gradFill>
+        <a:gradFill rotWithShape="1">
+          <a:gsLst>
+            <a:gs pos="0">
+              <a:schemeClr val="phClr">
+                <a:tint val="80000"/>
+                <a:satMod val="300000"/>
+              </a:schemeClr>
+            </a:gs>
+            <a:gs pos="100000">
+              <a:schemeClr val="phClr">
+                <a:shade val="30000"/>
+                <a:satMod val="200000"/>
+              </a:schemeClr>
+            </a:gs>
+          </a:gsLst>
+          <a:path path="circle">
+            <a:fillToRect l="50000" t="50000" r="50000" b="50000"/>
+          </a:path>
+        </a:gradFill>
+      </a:bgFillStyleLst>
+    </a:fmtScheme>
+  </a:themeElements>
+</a:theme>
+</file>
+
+<file path=ppt/theme/theme2.xml><?xml version="1.0" encoding="utf-8"?>
 <a:theme xmlns:a="http://schemas.openxmlformats.org/drawingml/2006/main" xmlns:r="http://schemas.openxmlformats.org/officeDocument/2006/relationships">
   <a:themeElements>
     <a:clrScheme name="Default">
@@ -8038,283 +8924,4 @@
     </a:fmtScheme>
   </a:themeElements>
 </a:theme>
-</file>
-
-<file path=ppt/theme/theme2.xml><?xml version="1.0" encoding="utf-8"?>
-<a:theme xmlns:a="http://schemas.openxmlformats.org/drawingml/2006/main" xmlns:r="http://schemas.openxmlformats.org/officeDocument/2006/relationships" name="Simple Light">
-  <a:themeElements>
-    <a:clrScheme name="Simple Light">
-      <a:dk1>
-        <a:srgbClr val="000000"/>
-      </a:dk1>
-      <a:lt1>
-        <a:srgbClr val="FFFFFF"/>
-      </a:lt1>
-      <a:dk2>
-        <a:srgbClr val="595959"/>
-      </a:dk2>
-      <a:lt2>
-        <a:srgbClr val="EEEEEE"/>
-      </a:lt2>
-      <a:accent1>
-        <a:srgbClr val="FFAB40"/>
-      </a:accent1>
-      <a:accent2>
-        <a:srgbClr val="212121"/>
-      </a:accent2>
-      <a:accent3>
-        <a:srgbClr val="78909C"/>
-      </a:accent3>
-      <a:accent4>
-        <a:srgbClr val="FFAB40"/>
-      </a:accent4>
-      <a:accent5>
-        <a:srgbClr val="0097A7"/>
-      </a:accent5>
-      <a:accent6>
-        <a:srgbClr val="EEFF41"/>
-      </a:accent6>
-      <a:hlink>
-        <a:srgbClr val="0097A7"/>
-      </a:hlink>
-      <a:folHlink>
-        <a:srgbClr val="0097A7"/>
-      </a:folHlink>
-    </a:clrScheme>
-    <a:fontScheme name="Office">
-      <a:majorFont>
-        <a:latin typeface="Arial"/>
-        <a:ea typeface=""/>
-        <a:cs typeface=""/>
-        <a:font script="Jpan" typeface="ＭＳ Ｐゴシック"/>
-        <a:font script="Hang" typeface="맑은 고딕"/>
-        <a:font script="Hans" typeface="宋体"/>
-        <a:font script="Hant" typeface="新細明體"/>
-        <a:font script="Arab" typeface="Times New Roman"/>
-        <a:font script="Hebr" typeface="Times New Roman"/>
-        <a:font script="Thai" typeface="Angsana New"/>
-        <a:font script="Ethi" typeface="Nyala"/>
-        <a:font script="Beng" typeface="Vrinda"/>
-        <a:font script="Gujr" typeface="Shruti"/>
-        <a:font script="Khmr" typeface="MoolBoran"/>
-        <a:font script="Knda" typeface="Tunga"/>
-        <a:font script="Guru" typeface="Raavi"/>
-        <a:font script="Cans" typeface="Euphemia"/>
-        <a:font script="Cher" typeface="Plantagenet Cherokee"/>
-        <a:font script="Yiii" typeface="Microsoft Yi Baiti"/>
-        <a:font script="Tibt" typeface="Microsoft Himalaya"/>
-        <a:font script="Thaa" typeface="MV Boli"/>
-        <a:font script="Deva" typeface="Mangal"/>
-        <a:font script="Telu" typeface="Gautami"/>
-        <a:font script="Taml" typeface="Latha"/>
-        <a:font script="Syrc" typeface="Estrangelo Edessa"/>
-        <a:font script="Orya" typeface="Kalinga"/>
-        <a:font script="Mlym" typeface="Kartika"/>
-        <a:font script="Laoo" typeface="DokChampa"/>
-        <a:font script="Sinh" typeface="Iskoola Pota"/>
-        <a:font script="Mong" typeface="Mongolian Baiti"/>
-        <a:font script="Viet" typeface="Times New Roman"/>
-        <a:font script="Uigh" typeface="Microsoft Uighur"/>
-        <a:font script="Geor" typeface="Sylfaen"/>
-      </a:majorFont>
-      <a:minorFont>
-        <a:latin typeface="Arial"/>
-        <a:ea typeface=""/>
-        <a:cs typeface=""/>
-        <a:font script="Jpan" typeface="ＭＳ Ｐゴシック"/>
-        <a:font script="Hang" typeface="맑은 고딕"/>
-        <a:font script="Hans" typeface="宋体"/>
-        <a:font script="Hant" typeface="新細明體"/>
-        <a:font script="Arab" typeface="Arial"/>
-        <a:font script="Hebr" typeface="Arial"/>
-        <a:font script="Thai" typeface="Cordia New"/>
-        <a:font script="Ethi" typeface="Nyala"/>
-        <a:font script="Beng" typeface="Vrinda"/>
-        <a:font script="Gujr" typeface="Shruti"/>
-        <a:font script="Khmr" typeface="DaunPenh"/>
-        <a:font script="Knda" typeface="Tunga"/>
-        <a:font script="Guru" typeface="Raavi"/>
-        <a:font script="Cans" typeface="Euphemia"/>
-        <a:font script="Cher" typeface="Plantagenet Cherokee"/>
-        <a:font script="Yiii" typeface="Microsoft Yi Baiti"/>
-        <a:font script="Tibt" typeface="Microsoft Himalaya"/>
-        <a:font script="Thaa" typeface="MV Boli"/>
-        <a:font script="Deva" typeface="Mangal"/>
-        <a:font script="Telu" typeface="Gautami"/>
-        <a:font script="Taml" typeface="Latha"/>
-        <a:font script="Syrc" typeface="Estrangelo Edessa"/>
-        <a:font script="Orya" typeface="Kalinga"/>
-        <a:font script="Mlym" typeface="Kartika"/>
-        <a:font script="Laoo" typeface="DokChampa"/>
-        <a:font script="Sinh" typeface="Iskoola Pota"/>
-        <a:font script="Mong" typeface="Mongolian Baiti"/>
-        <a:font script="Viet" typeface="Arial"/>
-        <a:font script="Uigh" typeface="Microsoft Uighur"/>
-        <a:font script="Geor" typeface="Sylfaen"/>
-      </a:minorFont>
-    </a:fontScheme>
-    <a:fmtScheme name="Office">
-      <a:fillStyleLst>
-        <a:solidFill>
-          <a:schemeClr val="phClr"/>
-        </a:solidFill>
-        <a:gradFill rotWithShape="1">
-          <a:gsLst>
-            <a:gs pos="0">
-              <a:schemeClr val="phClr">
-                <a:tint val="50000"/>
-                <a:satMod val="300000"/>
-              </a:schemeClr>
-            </a:gs>
-            <a:gs pos="35000">
-              <a:schemeClr val="phClr">
-                <a:tint val="37000"/>
-                <a:satMod val="300000"/>
-              </a:schemeClr>
-            </a:gs>
-            <a:gs pos="100000">
-              <a:schemeClr val="phClr">
-                <a:tint val="15000"/>
-                <a:satMod val="350000"/>
-              </a:schemeClr>
-            </a:gs>
-          </a:gsLst>
-          <a:lin ang="16200000" scaled="1"/>
-        </a:gradFill>
-        <a:gradFill rotWithShape="1">
-          <a:gsLst>
-            <a:gs pos="0">
-              <a:schemeClr val="phClr">
-                <a:tint val="100000"/>
-                <a:shade val="100000"/>
-                <a:satMod val="130000"/>
-              </a:schemeClr>
-            </a:gs>
-            <a:gs pos="100000">
-              <a:schemeClr val="phClr">
-                <a:tint val="50000"/>
-                <a:shade val="100000"/>
-                <a:satMod val="350000"/>
-              </a:schemeClr>
-            </a:gs>
-          </a:gsLst>
-          <a:lin ang="16200000" scaled="0"/>
-        </a:gradFill>
-      </a:fillStyleLst>
-      <a:lnStyleLst>
-        <a:ln w="9525" cap="flat" cmpd="sng" algn="ctr">
-          <a:solidFill>
-            <a:schemeClr val="phClr">
-              <a:shade val="95000"/>
-              <a:satMod val="105000"/>
-            </a:schemeClr>
-          </a:solidFill>
-          <a:prstDash val="solid"/>
-        </a:ln>
-        <a:ln w="25400" cap="flat" cmpd="sng" algn="ctr">
-          <a:solidFill>
-            <a:schemeClr val="phClr"/>
-          </a:solidFill>
-          <a:prstDash val="solid"/>
-        </a:ln>
-        <a:ln w="38100" cap="flat" cmpd="sng" algn="ctr">
-          <a:solidFill>
-            <a:schemeClr val="phClr"/>
-          </a:solidFill>
-          <a:prstDash val="solid"/>
-        </a:ln>
-      </a:lnStyleLst>
-      <a:effectStyleLst>
-        <a:effectStyle>
-          <a:effectLst>
-            <a:outerShdw blurRad="40000" dist="20000" dir="5400000" rotWithShape="0">
-              <a:srgbClr val="000000">
-                <a:alpha val="38000"/>
-              </a:srgbClr>
-            </a:outerShdw>
-          </a:effectLst>
-        </a:effectStyle>
-        <a:effectStyle>
-          <a:effectLst>
-            <a:outerShdw blurRad="40000" dist="23000" dir="5400000" rotWithShape="0">
-              <a:srgbClr val="000000">
-                <a:alpha val="35000"/>
-              </a:srgbClr>
-            </a:outerShdw>
-          </a:effectLst>
-        </a:effectStyle>
-        <a:effectStyle>
-          <a:effectLst>
-            <a:outerShdw blurRad="40000" dist="23000" dir="5400000" rotWithShape="0">
-              <a:srgbClr val="000000">
-                <a:alpha val="35000"/>
-              </a:srgbClr>
-            </a:outerShdw>
-          </a:effectLst>
-          <a:scene3d>
-            <a:camera prst="orthographicFront">
-              <a:rot lat="0" lon="0" rev="0"/>
-            </a:camera>
-            <a:lightRig rig="threePt" dir="t">
-              <a:rot lat="0" lon="0" rev="1200000"/>
-            </a:lightRig>
-          </a:scene3d>
-          <a:sp3d>
-            <a:bevelT w="63500" h="25400"/>
-          </a:sp3d>
-        </a:effectStyle>
-      </a:effectStyleLst>
-      <a:bgFillStyleLst>
-        <a:solidFill>
-          <a:schemeClr val="phClr"/>
-        </a:solidFill>
-        <a:gradFill rotWithShape="1">
-          <a:gsLst>
-            <a:gs pos="0">
-              <a:schemeClr val="phClr">
-                <a:tint val="40000"/>
-                <a:satMod val="350000"/>
-              </a:schemeClr>
-            </a:gs>
-            <a:gs pos="40000">
-              <a:schemeClr val="phClr">
-                <a:tint val="45000"/>
-                <a:shade val="99000"/>
-                <a:satMod val="350000"/>
-              </a:schemeClr>
-            </a:gs>
-            <a:gs pos="100000">
-              <a:schemeClr val="phClr">
-                <a:shade val="20000"/>
-                <a:satMod val="255000"/>
-              </a:schemeClr>
-            </a:gs>
-          </a:gsLst>
-          <a:path path="circle">
-            <a:fillToRect l="50000" t="-80000" r="50000" b="180000"/>
-          </a:path>
-        </a:gradFill>
-        <a:gradFill rotWithShape="1">
-          <a:gsLst>
-            <a:gs pos="0">
-              <a:schemeClr val="phClr">
-                <a:tint val="80000"/>
-                <a:satMod val="300000"/>
-              </a:schemeClr>
-            </a:gs>
-            <a:gs pos="100000">
-              <a:schemeClr val="phClr">
-                <a:shade val="30000"/>
-                <a:satMod val="200000"/>
-              </a:schemeClr>
-            </a:gs>
-          </a:gsLst>
-          <a:path path="circle">
-            <a:fillToRect l="50000" t="50000" r="50000" b="50000"/>
-          </a:path>
-        </a:gradFill>
-      </a:bgFillStyleLst>
-    </a:fmtScheme>
-  </a:themeElements>
-</a:theme>
 </file>
--- a/GAN Talk/GANs.pptx
+++ b/GAN Talk/GANs.pptx
@@ -18,6 +18,7 @@
     <p:sldId id="263" r:id="rId13"/>
     <p:sldId id="264" r:id="rId14"/>
     <p:sldId id="265" r:id="rId15"/>
+    <p:sldId id="266" r:id="rId16"/>
   </p:sldIdLst>
   <p:sldSz cy="5143500" cx="9144000"/>
   <p:notesSz cx="6858000" cy="9144000"/>
@@ -813,7 +814,7 @@
       </p:grpSpPr>
       <p:sp>
         <p:nvSpPr>
-          <p:cNvPr id="111" name="Google Shape;111;g78d7463e26_0_0:notes"/>
+          <p:cNvPr id="111" name="Google Shape;111;g73f69b1589_0_111:notes"/>
           <p:cNvSpPr/>
           <p:nvPr>
             <p:ph idx="2" type="sldImg"/>
@@ -848,7 +849,106 @@
       </p:sp>
       <p:sp>
         <p:nvSpPr>
-          <p:cNvPr id="112" name="Google Shape;112;g78d7463e26_0_0:notes"/>
+          <p:cNvPr id="112" name="Google Shape;112;g73f69b1589_0_111:notes"/>
+          <p:cNvSpPr txBox="1"/>
+          <p:nvPr>
+            <p:ph idx="1" type="body"/>
+          </p:nvPr>
+        </p:nvSpPr>
+        <p:spPr>
+          <a:xfrm>
+            <a:off x="685800" y="4343400"/>
+            <a:ext cx="5486400" cy="4114800"/>
+          </a:xfrm>
+          <a:prstGeom prst="rect">
+            <a:avLst/>
+          </a:prstGeom>
+        </p:spPr>
+        <p:txBody>
+          <a:bodyPr anchorCtr="0" anchor="t" bIns="91425" lIns="91425" spcFirstLastPara="1" rIns="91425" wrap="square" tIns="91425">
+            <a:noAutofit/>
+          </a:bodyPr>
+          <a:lstStyle/>
+          <a:p>
+            <a:pPr indent="0" lvl="0" marL="0" rtl="0" algn="l">
+              <a:spcBef>
+                <a:spcPts val="0"/>
+              </a:spcBef>
+              <a:spcAft>
+                <a:spcPts val="0"/>
+              </a:spcAft>
+              <a:buNone/>
+            </a:pPr>
+            <a:r>
+              <a:t/>
+            </a:r>
+            <a:endParaRPr/>
+          </a:p>
+        </p:txBody>
+      </p:sp>
+    </p:spTree>
+  </p:cSld>
+  <p:clrMapOvr>
+    <a:masterClrMapping/>
+  </p:clrMapOvr>
+</p:notes>
+</file>
+
+<file path=ppt/notesSlides/notesSlide11.xml><?xml version="1.0" encoding="utf-8"?>
+<p:notes xmlns:a="http://schemas.openxmlformats.org/drawingml/2006/main" xmlns:r="http://schemas.openxmlformats.org/officeDocument/2006/relationships" xmlns:mc="http://schemas.openxmlformats.org/markup-compatibility/2006" xmlns:mv="urn:schemas-microsoft-com:mac:vml" xmlns:p="http://schemas.openxmlformats.org/presentationml/2006/main" xmlns:c="http://schemas.openxmlformats.org/drawingml/2006/chart" xmlns:dgm="http://schemas.openxmlformats.org/drawingml/2006/diagram" xmlns:o="urn:schemas-microsoft-com:office:office" xmlns:v="urn:schemas-microsoft-com:vml" xmlns:pvml="urn:schemas-microsoft-com:office:powerpoint" xmlns:com="http://schemas.openxmlformats.org/drawingml/2006/compatibility" xmlns:p14="http://schemas.microsoft.com/office/powerpoint/2010/main" xmlns:p15="http://schemas.microsoft.com/office/powerpoint/2012/main" showMasterPhAnim="0" showMasterSp="0">
+  <p:cSld>
+    <p:spTree>
+      <p:nvGrpSpPr>
+        <p:cNvPr id="116" name="Shape 116"/>
+        <p:cNvGrpSpPr/>
+        <p:nvPr/>
+      </p:nvGrpSpPr>
+      <p:grpSpPr>
+        <a:xfrm>
+          <a:off x="0" y="0"/>
+          <a:ext cx="0" cy="0"/>
+          <a:chOff x="0" y="0"/>
+          <a:chExt cx="0" cy="0"/>
+        </a:xfrm>
+      </p:grpSpPr>
+      <p:sp>
+        <p:nvSpPr>
+          <p:cNvPr id="117" name="Google Shape;117;g78d7463e26_0_0:notes"/>
+          <p:cNvSpPr/>
+          <p:nvPr>
+            <p:ph idx="2" type="sldImg"/>
+          </p:nvPr>
+        </p:nvSpPr>
+        <p:spPr>
+          <a:xfrm>
+            <a:off x="381300" y="685800"/>
+            <a:ext cx="6096000" cy="3429000"/>
+          </a:xfrm>
+          <a:custGeom>
+            <a:rect b="b" l="l" r="r" t="t"/>
+            <a:pathLst>
+              <a:path extrusionOk="0" h="120000" w="120000">
+                <a:moveTo>
+                  <a:pt x="0" y="0"/>
+                </a:moveTo>
+                <a:lnTo>
+                  <a:pt x="120000" y="0"/>
+                </a:lnTo>
+                <a:lnTo>
+                  <a:pt x="120000" y="120000"/>
+                </a:lnTo>
+                <a:lnTo>
+                  <a:pt x="0" y="120000"/>
+                </a:lnTo>
+                <a:close/>
+              </a:path>
+            </a:pathLst>
+          </a:custGeom>
+        </p:spPr>
+      </p:sp>
+      <p:sp>
+        <p:nvSpPr>
+          <p:cNvPr id="118" name="Google Shape;118;g78d7463e26_0_0:notes"/>
           <p:cNvSpPr txBox="1"/>
           <p:nvPr>
             <p:ph idx="1" type="body"/>
@@ -1506,7 +1606,7 @@
       </p:grpSpPr>
       <p:sp>
         <p:nvSpPr>
-          <p:cNvPr id="99" name="Google Shape;99;g73f69b1589_0_106:notes"/>
+          <p:cNvPr id="99" name="Google Shape;99;g79217a94aa_0_0:notes"/>
           <p:cNvSpPr/>
           <p:nvPr>
             <p:ph idx="2" type="sldImg"/>
@@ -1541,7 +1641,7 @@
       </p:sp>
       <p:sp>
         <p:nvSpPr>
-          <p:cNvPr id="100" name="Google Shape;100;g73f69b1589_0_106:notes"/>
+          <p:cNvPr id="100" name="Google Shape;100;g79217a94aa_0_0:notes"/>
           <p:cNvSpPr txBox="1"/>
           <p:nvPr>
             <p:ph idx="1" type="body"/>
@@ -1605,7 +1705,7 @@
       </p:grpSpPr>
       <p:sp>
         <p:nvSpPr>
-          <p:cNvPr id="105" name="Google Shape;105;g73f69b1589_0_111:notes"/>
+          <p:cNvPr id="105" name="Google Shape;105;g73f69b1589_0_106:notes"/>
           <p:cNvSpPr/>
           <p:nvPr>
             <p:ph idx="2" type="sldImg"/>
@@ -1640,7 +1740,7 @@
       </p:sp>
       <p:sp>
         <p:nvSpPr>
-          <p:cNvPr id="106" name="Google Shape;106;g73f69b1589_0_111:notes"/>
+          <p:cNvPr id="106" name="Google Shape;106;g73f69b1589_0_106:notes"/>
           <p:cNvSpPr txBox="1"/>
           <p:nvPr>
             <p:ph idx="1" type="body"/>
@@ -6495,7 +6595,7 @@
             </a:pPr>
             <a:r>
               <a:rPr lang="en"/>
-              <a:t>Misc	</a:t>
+              <a:t>Resources</a:t>
             </a:r>
             <a:endParaRPr/>
           </a:p>
@@ -6504,6 +6604,245 @@
       <p:sp>
         <p:nvSpPr>
           <p:cNvPr id="115" name="Google Shape;115;p22"/>
+          <p:cNvSpPr txBox="1"/>
+          <p:nvPr>
+            <p:ph idx="1" type="body"/>
+          </p:nvPr>
+        </p:nvSpPr>
+        <p:spPr>
+          <a:xfrm>
+            <a:off x="311700" y="1149300"/>
+            <a:ext cx="8520600" cy="3419700"/>
+          </a:xfrm>
+          <a:prstGeom prst="rect">
+            <a:avLst/>
+          </a:prstGeom>
+        </p:spPr>
+        <p:txBody>
+          <a:bodyPr anchorCtr="0" anchor="t" bIns="91425" lIns="91425" spcFirstLastPara="1" rIns="91425" wrap="square" tIns="91425">
+            <a:noAutofit/>
+          </a:bodyPr>
+          <a:lstStyle/>
+          <a:p>
+            <a:pPr indent="0" lvl="0" marL="0" rtl="0" algn="l">
+              <a:spcBef>
+                <a:spcPts val="0"/>
+              </a:spcBef>
+              <a:spcAft>
+                <a:spcPts val="0"/>
+              </a:spcAft>
+              <a:buNone/>
+            </a:pPr>
+            <a:r>
+              <a:rPr lang="en"/>
+              <a:t>Paper</a:t>
+            </a:r>
+            <a:endParaRPr/>
+          </a:p>
+          <a:p>
+            <a:pPr indent="-342900" lvl="0" marL="457200" rtl="0" algn="l">
+              <a:spcBef>
+                <a:spcPts val="1600"/>
+              </a:spcBef>
+              <a:spcAft>
+                <a:spcPts val="0"/>
+              </a:spcAft>
+              <a:buSzPts val="1800"/>
+              <a:buChar char="-"/>
+            </a:pPr>
+            <a:r>
+              <a:rPr lang="en"/>
+              <a:t>Generative Adversarial Nets </a:t>
+            </a:r>
+            <a:endParaRPr/>
+          </a:p>
+          <a:p>
+            <a:pPr indent="0" lvl="0" marL="457200" rtl="0" algn="l">
+              <a:spcBef>
+                <a:spcPts val="1600"/>
+              </a:spcBef>
+              <a:spcAft>
+                <a:spcPts val="0"/>
+              </a:spcAft>
+              <a:buNone/>
+            </a:pPr>
+            <a:r>
+              <a:rPr lang="en" u="sng">
+                <a:solidFill>
+                  <a:schemeClr val="hlink"/>
+                </a:solidFill>
+                <a:hlinkClick r:id="rId3"/>
+              </a:rPr>
+              <a:t>https://papers.nips.cc/paper/5423-generative-adversarial-nets.pdf</a:t>
+            </a:r>
+            <a:endParaRPr/>
+          </a:p>
+          <a:p>
+            <a:pPr indent="0" lvl="0" marL="0" rtl="0" algn="l">
+              <a:spcBef>
+                <a:spcPts val="1600"/>
+              </a:spcBef>
+              <a:spcAft>
+                <a:spcPts val="0"/>
+              </a:spcAft>
+              <a:buNone/>
+            </a:pPr>
+            <a:r>
+              <a:rPr lang="en"/>
+              <a:t>Books</a:t>
+            </a:r>
+            <a:endParaRPr/>
+          </a:p>
+          <a:p>
+            <a:pPr indent="-342900" lvl="0" marL="457200" rtl="0" algn="l">
+              <a:lnSpc>
+                <a:spcPct val="120000"/>
+              </a:lnSpc>
+              <a:spcBef>
+                <a:spcPts val="1600"/>
+              </a:spcBef>
+              <a:spcAft>
+                <a:spcPts val="0"/>
+              </a:spcAft>
+              <a:buSzPts val="1800"/>
+              <a:buChar char="-"/>
+            </a:pPr>
+            <a:r>
+              <a:rPr lang="en">
+                <a:solidFill>
+                  <a:srgbClr val="111111"/>
+                </a:solidFill>
+                <a:highlight>
+                  <a:srgbClr val="FFFFFF"/>
+                </a:highlight>
+              </a:rPr>
+              <a:t>Generative Deep Learning: Teaching Machines to Paint, Write, Compose, and Play (O'Reilly)</a:t>
+            </a:r>
+            <a:endParaRPr>
+              <a:solidFill>
+                <a:srgbClr val="111111"/>
+              </a:solidFill>
+              <a:highlight>
+                <a:srgbClr val="FFFFFF"/>
+              </a:highlight>
+            </a:endParaRPr>
+          </a:p>
+          <a:p>
+            <a:pPr indent="-342900" lvl="0" marL="457200" rtl="0" algn="l">
+              <a:spcBef>
+                <a:spcPts val="0"/>
+              </a:spcBef>
+              <a:spcAft>
+                <a:spcPts val="0"/>
+              </a:spcAft>
+              <a:buSzPts val="1800"/>
+              <a:buChar char="-"/>
+            </a:pPr>
+            <a:r>
+              <a:rPr lang="en">
+                <a:solidFill>
+                  <a:srgbClr val="111111"/>
+                </a:solidFill>
+                <a:highlight>
+                  <a:srgbClr val="FFFFFF"/>
+                </a:highlight>
+              </a:rPr>
+              <a:t>GANs in Action ( Manning)</a:t>
+            </a:r>
+            <a:endParaRPr>
+              <a:solidFill>
+                <a:srgbClr val="111111"/>
+              </a:solidFill>
+              <a:highlight>
+                <a:srgbClr val="FFFFFF"/>
+              </a:highlight>
+            </a:endParaRPr>
+          </a:p>
+          <a:p>
+            <a:pPr indent="0" lvl="0" marL="457200" rtl="0" algn="l">
+              <a:spcBef>
+                <a:spcPts val="1700"/>
+              </a:spcBef>
+              <a:spcAft>
+                <a:spcPts val="1600"/>
+              </a:spcAft>
+              <a:buNone/>
+            </a:pPr>
+            <a:r>
+              <a:t/>
+            </a:r>
+            <a:endParaRPr/>
+          </a:p>
+        </p:txBody>
+      </p:sp>
+    </p:spTree>
+  </p:cSld>
+  <p:clrMapOvr>
+    <a:masterClrMapping/>
+  </p:clrMapOvr>
+</p:sld>
+</file>
+
+<file path=ppt/slides/slide11.xml><?xml version="1.0" encoding="utf-8"?>
+<p:sld xmlns:a="http://schemas.openxmlformats.org/drawingml/2006/main" xmlns:r="http://schemas.openxmlformats.org/officeDocument/2006/relationships" xmlns:mc="http://schemas.openxmlformats.org/markup-compatibility/2006" xmlns:mv="urn:schemas-microsoft-com:mac:vml" xmlns:p="http://schemas.openxmlformats.org/presentationml/2006/main" xmlns:c="http://schemas.openxmlformats.org/drawingml/2006/chart" xmlns:dgm="http://schemas.openxmlformats.org/drawingml/2006/diagram" xmlns:o="urn:schemas-microsoft-com:office:office" xmlns:v="urn:schemas-microsoft-com:vml" xmlns:pvml="urn:schemas-microsoft-com:office:powerpoint" xmlns:com="http://schemas.openxmlformats.org/drawingml/2006/compatibility" xmlns:p14="http://schemas.microsoft.com/office/powerpoint/2010/main" xmlns:p15="http://schemas.microsoft.com/office/powerpoint/2012/main">
+  <p:cSld>
+    <p:spTree>
+      <p:nvGrpSpPr>
+        <p:cNvPr id="119" name="Shape 119"/>
+        <p:cNvGrpSpPr/>
+        <p:nvPr/>
+      </p:nvGrpSpPr>
+      <p:grpSpPr>
+        <a:xfrm>
+          <a:off x="0" y="0"/>
+          <a:ext cx="0" cy="0"/>
+          <a:chOff x="0" y="0"/>
+          <a:chExt cx="0" cy="0"/>
+        </a:xfrm>
+      </p:grpSpPr>
+      <p:sp>
+        <p:nvSpPr>
+          <p:cNvPr id="120" name="Google Shape;120;p23"/>
+          <p:cNvSpPr txBox="1"/>
+          <p:nvPr>
+            <p:ph type="title"/>
+          </p:nvPr>
+        </p:nvSpPr>
+        <p:spPr>
+          <a:xfrm>
+            <a:off x="311700" y="445025"/>
+            <a:ext cx="8520600" cy="572700"/>
+          </a:xfrm>
+          <a:prstGeom prst="rect">
+            <a:avLst/>
+          </a:prstGeom>
+        </p:spPr>
+        <p:txBody>
+          <a:bodyPr anchorCtr="0" anchor="t" bIns="91425" lIns="91425" spcFirstLastPara="1" rIns="91425" wrap="square" tIns="91425">
+            <a:noAutofit/>
+          </a:bodyPr>
+          <a:lstStyle/>
+          <a:p>
+            <a:pPr indent="0" lvl="0" marL="0" rtl="0" algn="l">
+              <a:spcBef>
+                <a:spcPts val="0"/>
+              </a:spcBef>
+              <a:spcAft>
+                <a:spcPts val="0"/>
+              </a:spcAft>
+              <a:buNone/>
+            </a:pPr>
+            <a:r>
+              <a:rPr lang="en"/>
+              <a:t>Misc	</a:t>
+            </a:r>
+            <a:endParaRPr/>
+          </a:p>
+        </p:txBody>
+      </p:sp>
+      <p:sp>
+        <p:nvSpPr>
+          <p:cNvPr id="121" name="Google Shape;121;p23"/>
           <p:cNvSpPr txBox="1"/>
           <p:nvPr>
             <p:ph idx="1" type="body"/>
@@ -7890,22 +8229,7 @@
             </a:pPr>
             <a:r>
               <a:rPr lang="en"/>
-              <a:t>Code</a:t>
-            </a:r>
-            <a:endParaRPr/>
-          </a:p>
-          <a:p>
-            <a:pPr indent="0" lvl="0" marL="0" rtl="0" algn="l">
-              <a:spcBef>
-                <a:spcPts val="0"/>
-              </a:spcBef>
-              <a:spcAft>
-                <a:spcPts val="0"/>
-              </a:spcAft>
-              <a:buNone/>
-            </a:pPr>
-            <a:r>
-              <a:t/>
+              <a:t>Things to remember	</a:t>
             </a:r>
             <a:endParaRPr/>
           </a:p>
@@ -7921,7 +8245,7 @@
         </p:nvSpPr>
         <p:spPr>
           <a:xfrm>
-            <a:off x="311700" y="1161650"/>
+            <a:off x="311700" y="1152475"/>
             <a:ext cx="8520600" cy="3416400"/>
           </a:xfrm>
           <a:prstGeom prst="rect">
@@ -7945,179 +8269,57 @@
             </a:pPr>
             <a:r>
               <a:rPr lang="en"/>
-              <a:t>Semi Supervised GAN </a:t>
+              <a:t>Changing the cost function has led to big breakthroughs in ML (GANS, RL)</a:t>
             </a:r>
+            <a:endParaRPr/>
+          </a:p>
+          <a:p>
+            <a:pPr indent="0" lvl="0" marL="457200" rtl="0" algn="l">
+              <a:spcBef>
+                <a:spcPts val="1600"/>
+              </a:spcBef>
+              <a:spcAft>
+                <a:spcPts val="0"/>
+              </a:spcAft>
+              <a:buNone/>
+            </a:pPr>
             <a:r>
               <a:rPr lang="en"/>
-              <a:t>Kannada code</a:t>
-            </a:r>
-            <a:r>
-              <a:rPr lang="en" sz="1700"/>
-              <a:t> </a:t>
-            </a:r>
-            <a:r>
-              <a:rPr lang="en" sz="1700" u="sng">
-                <a:solidFill>
-                  <a:schemeClr val="accent5"/>
-                </a:solidFill>
-                <a:hlinkClick r:id="rId3"/>
-              </a:rPr>
-              <a:t>https://github.com/timestocome/DeepLearning-Talks/tree/master/GAN%20Talk</a:t>
-            </a:r>
-            <a:endParaRPr sz="1700"/>
-          </a:p>
-          <a:p>
-            <a:pPr indent="0" lvl="0" marL="0" rtl="0" algn="l">
-              <a:spcBef>
-                <a:spcPts val="1600"/>
-              </a:spcBef>
-              <a:spcAft>
-                <a:spcPts val="0"/>
-              </a:spcAft>
-              <a:buNone/>
-            </a:pPr>
-            <a:r>
-              <a:t/>
+              <a:t>Compound cost functions are difficult to train (mode collapse - mae)</a:t>
             </a:r>
             <a:endParaRPr/>
           </a:p>
           <a:p>
-            <a:pPr indent="-342900" lvl="0" marL="457200" rtl="0" algn="l">
-              <a:spcBef>
-                <a:spcPts val="1600"/>
-              </a:spcBef>
-              <a:spcAft>
-                <a:spcPts val="0"/>
-              </a:spcAft>
-              <a:buSzPts val="1800"/>
-              <a:buChar char="-"/>
+            <a:pPr indent="0" lvl="0" marL="0" rtl="0" algn="l">
+              <a:spcBef>
+                <a:spcPts val="1600"/>
+              </a:spcBef>
+              <a:spcAft>
+                <a:spcPts val="0"/>
+              </a:spcAft>
+              <a:buNone/>
             </a:pPr>
             <a:r>
               <a:rPr lang="en"/>
-              <a:t>RL GANs    —- World Models  </a:t>
+              <a:t>	None of the above can be a useful class ( image recognition )</a:t>
             </a:r>
-            <a:r>
-              <a:rPr lang="en" u="sng">
-                <a:solidFill>
-                  <a:schemeClr val="hlink"/>
-                </a:solidFill>
-                <a:hlinkClick r:id="rId4"/>
-              </a:rPr>
-              <a:t>https://worldmodels.github.io/</a:t>
-            </a:r>
+            <a:endParaRPr/>
+          </a:p>
+          <a:p>
+            <a:pPr indent="0" lvl="0" marL="0" rtl="0" algn="l">
+              <a:spcBef>
+                <a:spcPts val="1600"/>
+              </a:spcBef>
+              <a:spcAft>
+                <a:spcPts val="1600"/>
+              </a:spcAft>
+              <a:buNone/>
+            </a:pPr>
             <a:r>
               <a:rPr lang="en"/>
-              <a:t> </a:t>
+              <a:t>	Networks can be designed to label data, or augment data</a:t>
             </a:r>
             <a:endParaRPr/>
-          </a:p>
-          <a:p>
-            <a:pPr indent="-342900" lvl="0" marL="457200" rtl="0" algn="l">
-              <a:spcBef>
-                <a:spcPts val="0"/>
-              </a:spcBef>
-              <a:spcAft>
-                <a:spcPts val="0"/>
-              </a:spcAft>
-              <a:buSzPts val="1800"/>
-              <a:buChar char="-"/>
-            </a:pPr>
-            <a:r>
-              <a:rPr lang="en"/>
-              <a:t>Really Awesome GAN resources </a:t>
-            </a:r>
-            <a:r>
-              <a:rPr lang="en" u="sng">
-                <a:solidFill>
-                  <a:schemeClr val="hlink"/>
-                </a:solidFill>
-                <a:hlinkClick r:id="rId5"/>
-              </a:rPr>
-              <a:t>https://github.com/nightrome/really-awesome-gan</a:t>
-            </a:r>
-            <a:endParaRPr/>
-          </a:p>
-          <a:p>
-            <a:pPr indent="-342900" lvl="0" marL="457200" rtl="0" algn="l">
-              <a:spcBef>
-                <a:spcPts val="0"/>
-              </a:spcBef>
-              <a:spcAft>
-                <a:spcPts val="0"/>
-              </a:spcAft>
-              <a:buSzPts val="1800"/>
-              <a:buChar char="-"/>
-            </a:pPr>
-            <a:r>
-              <a:rPr lang="en"/>
-              <a:t>Keras GANs </a:t>
-            </a:r>
-            <a:r>
-              <a:rPr lang="en" u="sng">
-                <a:solidFill>
-                  <a:schemeClr val="hlink"/>
-                </a:solidFill>
-                <a:hlinkClick r:id="rId6"/>
-              </a:rPr>
-              <a:t>https://github.com/eriklindernoren/Keras-GAN</a:t>
-            </a:r>
-            <a:endParaRPr/>
-          </a:p>
-          <a:p>
-            <a:pPr indent="-342900" lvl="0" marL="457200" rtl="0" algn="l">
-              <a:spcBef>
-                <a:spcPts val="0"/>
-              </a:spcBef>
-              <a:spcAft>
-                <a:spcPts val="0"/>
-              </a:spcAft>
-              <a:buSzPts val="1800"/>
-              <a:buChar char="-"/>
-            </a:pPr>
-            <a:r>
-              <a:rPr lang="en"/>
-              <a:t>Numpy GAN </a:t>
-            </a:r>
-            <a:r>
-              <a:rPr lang="en" u="sng">
-                <a:solidFill>
-                  <a:schemeClr val="hlink"/>
-                </a:solidFill>
-                <a:hlinkClick r:id="rId7"/>
-              </a:rPr>
-              <a:t>https://github.com/shinseung428/gan_numpy</a:t>
-            </a:r>
-            <a:endParaRPr/>
-          </a:p>
-          <a:p>
-            <a:pPr indent="0" lvl="0" marL="457200" rtl="0" algn="l">
-              <a:spcBef>
-                <a:spcPts val="1600"/>
-              </a:spcBef>
-              <a:spcAft>
-                <a:spcPts val="0"/>
-              </a:spcAft>
-              <a:buNone/>
-            </a:pPr>
-            <a:r>
-              <a:t/>
-            </a:r>
-            <a:endParaRPr/>
-          </a:p>
-          <a:p>
-            <a:pPr indent="0" lvl="0" marL="457200" rtl="0" algn="l">
-              <a:spcBef>
-                <a:spcPts val="1600"/>
-              </a:spcBef>
-              <a:spcAft>
-                <a:spcPts val="1600"/>
-              </a:spcAft>
-              <a:buNone/>
-            </a:pPr>
-            <a:r>
-              <a:t/>
-            </a:r>
-            <a:endParaRPr sz="1400"/>
           </a:p>
         </p:txBody>
       </p:sp>
@@ -8180,7 +8382,22 @@
             </a:pPr>
             <a:r>
               <a:rPr lang="en"/>
-              <a:t>Resources</a:t>
+              <a:t>Code</a:t>
+            </a:r>
+            <a:endParaRPr/>
+          </a:p>
+          <a:p>
+            <a:pPr indent="0" lvl="0" marL="0" rtl="0" algn="l">
+              <a:spcBef>
+                <a:spcPts val="0"/>
+              </a:spcBef>
+              <a:spcAft>
+                <a:spcPts val="0"/>
+              </a:spcAft>
+              <a:buNone/>
+            </a:pPr>
+            <a:r>
+              <a:t/>
             </a:r>
             <a:endParaRPr/>
           </a:p>
@@ -8196,8 +8413,8 @@
         </p:nvSpPr>
         <p:spPr>
           <a:xfrm>
-            <a:off x="311700" y="1149300"/>
-            <a:ext cx="8520600" cy="3419700"/>
+            <a:off x="311700" y="1161650"/>
+            <a:ext cx="8520600" cy="3416400"/>
           </a:xfrm>
           <a:prstGeom prst="rect">
             <a:avLst/>
@@ -8209,7 +8426,7 @@
           </a:bodyPr>
           <a:lstStyle/>
           <a:p>
-            <a:pPr indent="0" lvl="0" marL="0" rtl="0" algn="l">
+            <a:pPr indent="0" lvl="0" marL="457200" rtl="0" algn="l">
               <a:spcBef>
                 <a:spcPts val="0"/>
               </a:spcBef>
@@ -8220,7 +8437,39 @@
             </a:pPr>
             <a:r>
               <a:rPr lang="en"/>
-              <a:t>Paper</a:t>
+              <a:t>Semi Supervised GAN </a:t>
+            </a:r>
+            <a:r>
+              <a:rPr lang="en"/>
+              <a:t>Kannada code</a:t>
+            </a:r>
+            <a:r>
+              <a:rPr lang="en" sz="1700"/>
+              <a:t> </a:t>
+            </a:r>
+            <a:r>
+              <a:rPr lang="en" sz="1700" u="sng">
+                <a:solidFill>
+                  <a:schemeClr val="accent5"/>
+                </a:solidFill>
+                <a:hlinkClick r:id="rId3"/>
+              </a:rPr>
+              <a:t>https://github.com/timestocome/DeepLearning-Talks/tree/master/GAN%20Talk</a:t>
+            </a:r>
+            <a:endParaRPr sz="1700"/>
+          </a:p>
+          <a:p>
+            <a:pPr indent="0" lvl="0" marL="0" rtl="0" algn="l">
+              <a:spcBef>
+                <a:spcPts val="1600"/>
+              </a:spcBef>
+              <a:spcAft>
+                <a:spcPts val="0"/>
+              </a:spcAft>
+              <a:buNone/>
+            </a:pPr>
+            <a:r>
+              <a:t/>
             </a:r>
             <a:endParaRPr/>
           </a:p>
@@ -8237,54 +8486,53 @@
             </a:pPr>
             <a:r>
               <a:rPr lang="en"/>
-              <a:t>Generative Adversarial Nets </a:t>
+              <a:t>RL GANs    —- World Models  </a:t>
             </a:r>
-            <a:endParaRPr/>
-          </a:p>
-          <a:p>
-            <a:pPr indent="0" lvl="0" marL="457200" rtl="0" algn="l">
-              <a:spcBef>
-                <a:spcPts val="1600"/>
-              </a:spcBef>
-              <a:spcAft>
-                <a:spcPts val="0"/>
-              </a:spcAft>
-              <a:buNone/>
-            </a:pPr>
             <a:r>
               <a:rPr lang="en" u="sng">
                 <a:solidFill>
                   <a:schemeClr val="hlink"/>
                 </a:solidFill>
-                <a:hlinkClick r:id="rId3"/>
+                <a:hlinkClick r:id="rId4"/>
               </a:rPr>
-              <a:t>https://papers.nips.cc/paper/5423-generative-adversarial-nets.pdf</a:t>
+              <a:t>https://worldmodels.github.io/</a:t>
+            </a:r>
+            <a:r>
+              <a:rPr lang="en"/>
+              <a:t> </a:t>
             </a:r>
             <a:endParaRPr/>
           </a:p>
           <a:p>
-            <a:pPr indent="0" lvl="0" marL="0" rtl="0" algn="l">
-              <a:spcBef>
-                <a:spcPts val="1600"/>
-              </a:spcBef>
-              <a:spcAft>
-                <a:spcPts val="0"/>
-              </a:spcAft>
-              <a:buNone/>
+            <a:pPr indent="-342900" lvl="0" marL="457200" rtl="0" algn="l">
+              <a:spcBef>
+                <a:spcPts val="0"/>
+              </a:spcBef>
+              <a:spcAft>
+                <a:spcPts val="0"/>
+              </a:spcAft>
+              <a:buSzPts val="1800"/>
+              <a:buChar char="-"/>
             </a:pPr>
             <a:r>
               <a:rPr lang="en"/>
-              <a:t>Books</a:t>
+              <a:t>Really Awesome GAN resources </a:t>
+            </a:r>
+            <a:r>
+              <a:rPr lang="en" u="sng">
+                <a:solidFill>
+                  <a:schemeClr val="hlink"/>
+                </a:solidFill>
+                <a:hlinkClick r:id="rId5"/>
+              </a:rPr>
+              <a:t>https://github.com/nightrome/really-awesome-gan</a:t>
             </a:r>
             <a:endParaRPr/>
           </a:p>
           <a:p>
             <a:pPr indent="-342900" lvl="0" marL="457200" rtl="0" algn="l">
-              <a:lnSpc>
-                <a:spcPct val="120000"/>
-              </a:lnSpc>
-              <a:spcBef>
-                <a:spcPts val="1600"/>
+              <a:spcBef>
+                <a:spcPts val="0"/>
               </a:spcBef>
               <a:spcAft>
                 <a:spcPts val="0"/>
@@ -8293,24 +8541,19 @@
               <a:buChar char="-"/>
             </a:pPr>
             <a:r>
-              <a:rPr lang="en">
+              <a:rPr lang="en"/>
+              <a:t>Keras GANs </a:t>
+            </a:r>
+            <a:r>
+              <a:rPr lang="en" u="sng">
                 <a:solidFill>
-                  <a:srgbClr val="111111"/>
+                  <a:schemeClr val="hlink"/>
                 </a:solidFill>
-                <a:highlight>
-                  <a:srgbClr val="FFFFFF"/>
-                </a:highlight>
+                <a:hlinkClick r:id="rId6"/>
               </a:rPr>
-              <a:t>Generative Deep Learning: Teaching Machines to Paint, Write, Compose, and Play (O'Reilly)</a:t>
+              <a:t>https://github.com/eriklindernoren/Keras-GAN</a:t>
             </a:r>
-            <a:endParaRPr>
-              <a:solidFill>
-                <a:srgbClr val="111111"/>
-              </a:solidFill>
-              <a:highlight>
-                <a:srgbClr val="FFFFFF"/>
-              </a:highlight>
-            </a:endParaRPr>
+            <a:endParaRPr/>
           </a:p>
           <a:p>
             <a:pPr indent="-342900" lvl="0" marL="457200" rtl="0" algn="l">
@@ -8324,32 +8567,27 @@
               <a:buChar char="-"/>
             </a:pPr>
             <a:r>
-              <a:rPr lang="en">
+              <a:rPr lang="en"/>
+              <a:t>Numpy GAN </a:t>
+            </a:r>
+            <a:r>
+              <a:rPr lang="en" u="sng">
                 <a:solidFill>
-                  <a:srgbClr val="111111"/>
+                  <a:schemeClr val="hlink"/>
                 </a:solidFill>
-                <a:highlight>
-                  <a:srgbClr val="FFFFFF"/>
-                </a:highlight>
+                <a:hlinkClick r:id="rId7"/>
               </a:rPr>
-              <a:t>GANs in Action ( Manning)</a:t>
+              <a:t>https://github.com/shinseung428/gan_numpy</a:t>
             </a:r>
-            <a:endParaRPr>
-              <a:solidFill>
-                <a:srgbClr val="111111"/>
-              </a:solidFill>
-              <a:highlight>
-                <a:srgbClr val="FFFFFF"/>
-              </a:highlight>
-            </a:endParaRPr>
+            <a:endParaRPr/>
           </a:p>
           <a:p>
             <a:pPr indent="0" lvl="0" marL="457200" rtl="0" algn="l">
               <a:spcBef>
-                <a:spcPts val="1700"/>
-              </a:spcBef>
-              <a:spcAft>
-                <a:spcPts val="1600"/>
+                <a:spcPts val="1600"/>
+              </a:spcBef>
+              <a:spcAft>
+                <a:spcPts val="0"/>
               </a:spcAft>
               <a:buNone/>
             </a:pPr>
@@ -8357,6 +8595,21 @@
               <a:t/>
             </a:r>
             <a:endParaRPr/>
+          </a:p>
+          <a:p>
+            <a:pPr indent="0" lvl="0" marL="457200" rtl="0" algn="l">
+              <a:spcBef>
+                <a:spcPts val="1600"/>
+              </a:spcBef>
+              <a:spcAft>
+                <a:spcPts val="1600"/>
+              </a:spcAft>
+              <a:buNone/>
+            </a:pPr>
+            <a:r>
+              <a:t/>
+            </a:r>
+            <a:endParaRPr sz="1400"/>
           </a:p>
         </p:txBody>
       </p:sp>
